--- a/TechReview_Presentation.pptx
+++ b/TechReview_Presentation.pptx
@@ -3473,28 +3473,28 @@
             <a:pPr lvl="1"/>
             <a:r>
               <a:rPr lang="en-US" dirty="0"/>
-              <a:t>Average particle size (radius)</a:t>
+              <a:t>Average particle size (float radius)</a:t>
             </a:r>
           </a:p>
           <a:p>
             <a:pPr lvl="1"/>
             <a:r>
               <a:rPr lang="en-US" dirty="0"/>
-              <a:t>Particle size distribution (histogram)</a:t>
+              <a:t>Particle size distribution (float average, histogram)</a:t>
             </a:r>
           </a:p>
           <a:p>
             <a:pPr lvl="1"/>
             <a:r>
               <a:rPr lang="en-US" dirty="0"/>
-              <a:t>Measure of how spherical/elliptical the particles are</a:t>
+              <a:t>Measure of how spherical/elliptical the particles are (density plot)</a:t>
             </a:r>
           </a:p>
           <a:p>
             <a:pPr lvl="1"/>
             <a:r>
               <a:rPr lang="en-US" dirty="0"/>
-              <a:t>Stretch: some measure of irregularity/roughness</a:t>
+              <a:t>Stretch: some measure of irregularity/roughness (we’ll figure this out later)</a:t>
             </a:r>
           </a:p>
           <a:p>
@@ -3573,7 +3573,7 @@
           <a:p>
             <a:r>
               <a:rPr lang="en-US" dirty="0"/>
-              <a:t>OpenCV Image Processing Package</a:t>
+              <a:t>How We Start</a:t>
             </a:r>
           </a:p>
         </p:txBody>
@@ -3599,7 +3599,69 @@
           <a:bodyPr/>
           <a:lstStyle/>
           <a:p>
-            <a:endParaRPr lang="en-US"/>
+            <a:r>
+              <a:rPr lang="en-US" dirty="0"/>
+              <a:t>Use Edge detection to separate particles</a:t>
+            </a:r>
+          </a:p>
+          <a:p>
+            <a:pPr lvl="1"/>
+            <a:r>
+              <a:rPr lang="en-US" dirty="0"/>
+              <a:t>Fit curve splines</a:t>
+            </a:r>
+          </a:p>
+          <a:p>
+            <a:pPr lvl="1"/>
+            <a:r>
+              <a:rPr lang="en-US" dirty="0"/>
+              <a:t>Count particles</a:t>
+            </a:r>
+          </a:p>
+          <a:p>
+            <a:endParaRPr lang="en-US" dirty="0"/>
+          </a:p>
+          <a:p>
+            <a:r>
+              <a:rPr lang="en-US" dirty="0"/>
+              <a:t>OpenCV Package</a:t>
+            </a:r>
+          </a:p>
+          <a:p>
+            <a:pPr lvl="1"/>
+            <a:r>
+              <a:rPr lang="en-US" dirty="0"/>
+              <a:t>Open Source Python Package for Image Processing (MIT License)</a:t>
+            </a:r>
+          </a:p>
+          <a:p>
+            <a:pPr lvl="1"/>
+            <a:r>
+              <a:rPr lang="en-US" dirty="0"/>
+              <a:t>Multiple methods of edge detection available for use</a:t>
+            </a:r>
+          </a:p>
+          <a:p>
+            <a:pPr lvl="2"/>
+            <a:r>
+              <a:rPr lang="en-US" dirty="0"/>
+              <a:t>Sobel</a:t>
+            </a:r>
+          </a:p>
+          <a:p>
+            <a:pPr lvl="2"/>
+            <a:r>
+              <a:rPr lang="en-US" dirty="0"/>
+              <a:t>Canny</a:t>
+            </a:r>
+          </a:p>
+          <a:p>
+            <a:pPr lvl="2"/>
+            <a:r>
+              <a:rPr lang="en-US"/>
+              <a:t>Laplace</a:t>
+            </a:r>
+            <a:endParaRPr lang="en-US" dirty="0"/>
           </a:p>
         </p:txBody>
       </p:sp>

--- a/TechReview_Presentation.pptx
+++ b/TechReview_Presentation.pptx
@@ -8,9 +8,10 @@
     <p:sldId id="256" r:id="rId2"/>
     <p:sldId id="257" r:id="rId3"/>
     <p:sldId id="261" r:id="rId4"/>
-    <p:sldId id="258" r:id="rId5"/>
+    <p:sldId id="262" r:id="rId5"/>
     <p:sldId id="259" r:id="rId6"/>
     <p:sldId id="260" r:id="rId7"/>
+    <p:sldId id="258" r:id="rId8"/>
   </p:sldIdLst>
   <p:sldSz cx="12192000" cy="6858000"/>
   <p:notesSz cx="6858000" cy="9144000"/>
@@ -109,6 +110,11 @@
       </a:defRPr>
     </a:lvl9pPr>
   </p:defaultTextStyle>
+  <p:extLst>
+    <p:ext uri="{EFAFB233-063F-42B5-8137-9DF3F51BA10A}">
+      <p15:sldGuideLst xmlns:p15="http://schemas.microsoft.com/office/powerpoint/2012/main"/>
+    </p:ext>
+  </p:extLst>
 </p:presentation>
 </file>
 
@@ -259,7 +265,7 @@
           <a:p>
             <a:fld id="{0C65C9FF-3F31-0A45-9B98-91187E9A121A}" type="datetimeFigureOut">
               <a:rPr lang="en-US" smtClean="0"/>
-              <a:t>2/19/19</a:t>
+              <a:t>2/20/2019</a:t>
             </a:fld>
             <a:endParaRPr lang="en-US"/>
           </a:p>
@@ -457,7 +463,7 @@
           <a:p>
             <a:fld id="{0C65C9FF-3F31-0A45-9B98-91187E9A121A}" type="datetimeFigureOut">
               <a:rPr lang="en-US" smtClean="0"/>
-              <a:t>2/19/19</a:t>
+              <a:t>2/20/2019</a:t>
             </a:fld>
             <a:endParaRPr lang="en-US"/>
           </a:p>
@@ -665,7 +671,7 @@
           <a:p>
             <a:fld id="{0C65C9FF-3F31-0A45-9B98-91187E9A121A}" type="datetimeFigureOut">
               <a:rPr lang="en-US" smtClean="0"/>
-              <a:t>2/19/19</a:t>
+              <a:t>2/20/2019</a:t>
             </a:fld>
             <a:endParaRPr lang="en-US"/>
           </a:p>
@@ -863,7 +869,7 @@
           <a:p>
             <a:fld id="{0C65C9FF-3F31-0A45-9B98-91187E9A121A}" type="datetimeFigureOut">
               <a:rPr lang="en-US" smtClean="0"/>
-              <a:t>2/19/19</a:t>
+              <a:t>2/20/2019</a:t>
             </a:fld>
             <a:endParaRPr lang="en-US"/>
           </a:p>
@@ -1138,7 +1144,7 @@
           <a:p>
             <a:fld id="{0C65C9FF-3F31-0A45-9B98-91187E9A121A}" type="datetimeFigureOut">
               <a:rPr lang="en-US" smtClean="0"/>
-              <a:t>2/19/19</a:t>
+              <a:t>2/20/2019</a:t>
             </a:fld>
             <a:endParaRPr lang="en-US"/>
           </a:p>
@@ -1403,7 +1409,7 @@
           <a:p>
             <a:fld id="{0C65C9FF-3F31-0A45-9B98-91187E9A121A}" type="datetimeFigureOut">
               <a:rPr lang="en-US" smtClean="0"/>
-              <a:t>2/19/19</a:t>
+              <a:t>2/20/2019</a:t>
             </a:fld>
             <a:endParaRPr lang="en-US"/>
           </a:p>
@@ -1815,7 +1821,7 @@
           <a:p>
             <a:fld id="{0C65C9FF-3F31-0A45-9B98-91187E9A121A}" type="datetimeFigureOut">
               <a:rPr lang="en-US" smtClean="0"/>
-              <a:t>2/19/19</a:t>
+              <a:t>2/20/2019</a:t>
             </a:fld>
             <a:endParaRPr lang="en-US"/>
           </a:p>
@@ -1956,7 +1962,7 @@
           <a:p>
             <a:fld id="{0C65C9FF-3F31-0A45-9B98-91187E9A121A}" type="datetimeFigureOut">
               <a:rPr lang="en-US" smtClean="0"/>
-              <a:t>2/19/19</a:t>
+              <a:t>2/20/2019</a:t>
             </a:fld>
             <a:endParaRPr lang="en-US"/>
           </a:p>
@@ -2069,7 +2075,7 @@
           <a:p>
             <a:fld id="{0C65C9FF-3F31-0A45-9B98-91187E9A121A}" type="datetimeFigureOut">
               <a:rPr lang="en-US" smtClean="0"/>
-              <a:t>2/19/19</a:t>
+              <a:t>2/20/2019</a:t>
             </a:fld>
             <a:endParaRPr lang="en-US"/>
           </a:p>
@@ -2380,7 +2386,7 @@
           <a:p>
             <a:fld id="{0C65C9FF-3F31-0A45-9B98-91187E9A121A}" type="datetimeFigureOut">
               <a:rPr lang="en-US" smtClean="0"/>
-              <a:t>2/19/19</a:t>
+              <a:t>2/20/2019</a:t>
             </a:fld>
             <a:endParaRPr lang="en-US"/>
           </a:p>
@@ -2668,7 +2674,7 @@
           <a:p>
             <a:fld id="{0C65C9FF-3F31-0A45-9B98-91187E9A121A}" type="datetimeFigureOut">
               <a:rPr lang="en-US" smtClean="0"/>
-              <a:t>2/19/19</a:t>
+              <a:t>2/20/2019</a:t>
             </a:fld>
             <a:endParaRPr lang="en-US"/>
           </a:p>
@@ -2909,7 +2915,7 @@
           <a:p>
             <a:fld id="{0C65C9FF-3F31-0A45-9B98-91187E9A121A}" type="datetimeFigureOut">
               <a:rPr lang="en-US" smtClean="0"/>
-              <a:t>2/19/19</a:t>
+              <a:t>2/20/2019</a:t>
             </a:fld>
             <a:endParaRPr lang="en-US"/>
           </a:p>
@@ -3461,12 +3467,27 @@
         </p:nvSpPr>
         <p:spPr/>
         <p:txBody>
-          <a:bodyPr/>
-          <a:lstStyle/>
-          <a:p>
+          <a:bodyPr>
+            <a:normAutofit lnSpcReduction="10000"/>
+          </a:bodyPr>
+          <a:lstStyle/>
+          <a:p>
+            <a:r>
+              <a:rPr lang="en-US" dirty="0" smtClean="0"/>
+              <a:t>Goal: Analyze characteristics of SEM images</a:t>
+            </a:r>
+          </a:p>
+          <a:p>
+            <a:endParaRPr lang="en-US" dirty="0"/>
+          </a:p>
+          <a:p>
+            <a:r>
+              <a:rPr lang="en-US" dirty="0" smtClean="0"/>
+              <a:t>Deliverables</a:t>
+            </a:r>
             <a:r>
               <a:rPr lang="en-US" dirty="0"/>
-              <a:t>Deliverables:</a:t>
+              <a:t>:</a:t>
             </a:r>
           </a:p>
           <a:p>
@@ -3697,13 +3718,7 @@
       </p:grpSpPr>
       <p:sp>
         <p:nvSpPr>
-          <p:cNvPr id="2" name="Title 1">
-            <a:extLst>
-              <a:ext uri="{FF2B5EF4-FFF2-40B4-BE49-F238E27FC236}">
-                <a16:creationId xmlns:a16="http://schemas.microsoft.com/office/drawing/2014/main" id="{B313C48D-F270-7644-9DC6-9F4EC8C6BF1A}"/>
-              </a:ext>
-            </a:extLst>
-          </p:cNvPr>
+          <p:cNvPr id="2" name="Title 1"/>
           <p:cNvSpPr>
             <a:spLocks noGrp="1"/>
           </p:cNvSpPr>
@@ -3717,47 +3732,58 @@
           <a:lstStyle/>
           <a:p>
             <a:r>
-              <a:rPr lang="en-US" dirty="0"/>
-              <a:t>Sobel Edge Detection</a:t>
-            </a:r>
-          </a:p>
-        </p:txBody>
-      </p:sp>
-      <p:sp>
-        <p:nvSpPr>
-          <p:cNvPr id="3" name="Content Placeholder 2">
-            <a:extLst>
-              <a:ext uri="{FF2B5EF4-FFF2-40B4-BE49-F238E27FC236}">
-                <a16:creationId xmlns:a16="http://schemas.microsoft.com/office/drawing/2014/main" id="{3F36BEE9-182C-B841-8B2E-E56F710EEAA7}"/>
-              </a:ext>
-            </a:extLst>
-          </p:cNvPr>
-          <p:cNvSpPr>
-            <a:spLocks noGrp="1"/>
-          </p:cNvSpPr>
+              <a:rPr lang="en-US" dirty="0" smtClean="0"/>
+              <a:t>Example</a:t>
+            </a:r>
+            <a:endParaRPr lang="en-US" dirty="0"/>
+          </a:p>
+        </p:txBody>
+      </p:sp>
+      <p:pic>
+        <p:nvPicPr>
+          <p:cNvPr id="4" name="Content Placeholder 3"/>
+          <p:cNvPicPr>
+            <a:picLocks noGrp="1" noChangeAspect="1"/>
+          </p:cNvPicPr>
           <p:nvPr>
             <p:ph idx="1"/>
           </p:nvPr>
-        </p:nvSpPr>
-        <p:spPr/>
-        <p:txBody>
-          <a:bodyPr/>
-          <a:lstStyle/>
-          <a:p>
-            <a:endParaRPr lang="en-US"/>
-          </a:p>
-        </p:txBody>
-      </p:sp>
+        </p:nvPicPr>
+        <p:blipFill rotWithShape="1">
+          <a:blip r:embed="rId2">
+            <a:extLst>
+              <a:ext uri="{28A0092B-C50C-407E-A947-70E740481C1C}">
+                <a14:useLocalDpi xmlns:a14="http://schemas.microsoft.com/office/drawing/2010/main" val="0"/>
+              </a:ext>
+            </a:extLst>
+          </a:blip>
+          <a:srcRect l="6928" t="12369" r="6109" b="12740"/>
+          <a:stretch/>
+        </p:blipFill>
+        <p:spPr>
+          <a:xfrm>
+            <a:off x="3450076" y="1690688"/>
+            <a:ext cx="5291847" cy="4557245"/>
+          </a:xfrm>
+        </p:spPr>
+      </p:pic>
     </p:spTree>
     <p:extLst>
       <p:ext uri="{BB962C8B-B14F-4D97-AF65-F5344CB8AC3E}">
-        <p14:creationId xmlns:p14="http://schemas.microsoft.com/office/powerpoint/2010/main" val="3960134182"/>
+        <p14:creationId xmlns:p14="http://schemas.microsoft.com/office/powerpoint/2010/main" val="3810697089"/>
       </p:ext>
     </p:extLst>
   </p:cSld>
   <p:clrMapOvr>
     <a:masterClrMapping/>
   </p:clrMapOvr>
+  <p:timing>
+    <p:tnLst>
+      <p:par>
+        <p:cTn id="1" dur="indefinite" restart="never" nodeType="tmRoot"/>
+      </p:par>
+    </p:tnLst>
+  </p:timing>
 </p:sld>
 </file>
 
@@ -3822,15 +3848,418 @@
             <p:ph idx="1"/>
           </p:nvPr>
         </p:nvSpPr>
-        <p:spPr/>
-        <p:txBody>
-          <a:bodyPr/>
-          <a:lstStyle/>
-          <a:p>
-            <a:endParaRPr lang="en-US"/>
-          </a:p>
-        </p:txBody>
-      </p:sp>
+        <p:spPr>
+          <a:xfrm>
+            <a:off x="838200" y="1825625"/>
+            <a:ext cx="5241587" cy="4351338"/>
+          </a:xfrm>
+        </p:spPr>
+        <p:txBody>
+          <a:bodyPr>
+            <a:normAutofit/>
+          </a:bodyPr>
+          <a:lstStyle/>
+          <a:p>
+            <a:pPr marL="457200" indent="-457200">
+              <a:buFont typeface="+mj-lt"/>
+              <a:buAutoNum type="arabicPeriod"/>
+            </a:pPr>
+            <a:r>
+              <a:rPr lang="en-US" sz="2400" dirty="0" smtClean="0"/>
+              <a:t>Smooth image using Gaussian filter</a:t>
+            </a:r>
+          </a:p>
+          <a:p>
+            <a:pPr lvl="1"/>
+            <a:r>
+              <a:rPr lang="en-US" sz="2000" dirty="0"/>
+              <a:t>N</a:t>
+            </a:r>
+            <a:r>
+              <a:rPr lang="en-US" sz="2000" dirty="0" smtClean="0"/>
+              <a:t>oise filtering</a:t>
+            </a:r>
+          </a:p>
+          <a:p>
+            <a:pPr marL="457200" indent="-457200">
+              <a:buFont typeface="+mj-lt"/>
+              <a:buAutoNum type="arabicPeriod"/>
+            </a:pPr>
+            <a:r>
+              <a:rPr lang="en-US" sz="2400" dirty="0" smtClean="0"/>
+              <a:t>Find intensity gradients </a:t>
+            </a:r>
+          </a:p>
+          <a:p>
+            <a:pPr lvl="1"/>
+            <a:r>
+              <a:rPr lang="en-US" sz="2000" dirty="0"/>
+              <a:t>F</a:t>
+            </a:r>
+            <a:r>
+              <a:rPr lang="en-US" sz="2000" dirty="0" smtClean="0"/>
+              <a:t>irst derivatives</a:t>
+            </a:r>
+          </a:p>
+          <a:p>
+            <a:pPr marL="457200" indent="-457200">
+              <a:buFont typeface="+mj-lt"/>
+              <a:buAutoNum type="arabicPeriod"/>
+            </a:pPr>
+            <a:r>
+              <a:rPr lang="en-US" sz="2400" dirty="0" smtClean="0"/>
+              <a:t>Remove non-maximum peaks</a:t>
+            </a:r>
+          </a:p>
+          <a:p>
+            <a:pPr lvl="1"/>
+            <a:r>
+              <a:rPr lang="en-US" sz="2000" dirty="0" smtClean="0"/>
+              <a:t>Compare to nearby gradients</a:t>
+            </a:r>
+          </a:p>
+          <a:p>
+            <a:pPr marL="457200" indent="-457200">
+              <a:buFont typeface="+mj-lt"/>
+              <a:buAutoNum type="arabicPeriod"/>
+            </a:pPr>
+            <a:r>
+              <a:rPr lang="en-US" sz="2400" dirty="0" smtClean="0"/>
+              <a:t>Mark weak edges </a:t>
+            </a:r>
+          </a:p>
+          <a:p>
+            <a:pPr lvl="1"/>
+            <a:r>
+              <a:rPr lang="en-US" sz="2000" dirty="0"/>
+              <a:t>C</a:t>
+            </a:r>
+            <a:r>
+              <a:rPr lang="en-US" sz="2000" dirty="0" smtClean="0"/>
+              <a:t>aused by true edges, noise, and color</a:t>
+            </a:r>
+          </a:p>
+          <a:p>
+            <a:pPr marL="457200" indent="-457200">
+              <a:buFont typeface="+mj-lt"/>
+              <a:buAutoNum type="arabicPeriod"/>
+            </a:pPr>
+            <a:r>
+              <a:rPr lang="en-US" sz="2400" dirty="0" smtClean="0"/>
+              <a:t>Hysteresis edge tracking</a:t>
+            </a:r>
+          </a:p>
+          <a:p>
+            <a:pPr lvl="1"/>
+            <a:r>
+              <a:rPr lang="en-US" sz="2000" dirty="0" smtClean="0"/>
+              <a:t>Remove edges caused by noise and color</a:t>
+            </a:r>
+            <a:endParaRPr lang="en-US" sz="2000" dirty="0"/>
+          </a:p>
+        </p:txBody>
+      </p:sp>
+      <p:sp>
+        <p:nvSpPr>
+          <p:cNvPr id="6" name="Content Placeholder 2">
+            <a:extLst>
+              <a:ext uri="{FF2B5EF4-FFF2-40B4-BE49-F238E27FC236}">
+                <a16:creationId xmlns:a16="http://schemas.microsoft.com/office/drawing/2014/main" id="{B8073D18-673A-9E48-BFA3-FC0849048CC1}"/>
+              </a:ext>
+            </a:extLst>
+          </p:cNvPr>
+          <p:cNvSpPr txBox="1">
+            <a:spLocks/>
+          </p:cNvSpPr>
+          <p:nvPr/>
+        </p:nvSpPr>
+        <p:spPr>
+          <a:xfrm>
+            <a:off x="6277583" y="1825625"/>
+            <a:ext cx="5241587" cy="4351338"/>
+          </a:xfrm>
+          <a:prstGeom prst="rect">
+            <a:avLst/>
+          </a:prstGeom>
+        </p:spPr>
+        <p:txBody>
+          <a:bodyPr vert="horz" lIns="91440" tIns="45720" rIns="91440" bIns="45720" rtlCol="0">
+            <a:normAutofit/>
+          </a:bodyPr>
+          <a:lstStyle>
+            <a:lvl1pPr marL="228600" indent="-228600" algn="l" defTabSz="914400" rtl="0" eaLnBrk="1" latinLnBrk="0" hangingPunct="1">
+              <a:lnSpc>
+                <a:spcPct val="90000"/>
+              </a:lnSpc>
+              <a:spcBef>
+                <a:spcPts val="1000"/>
+              </a:spcBef>
+              <a:buFont typeface="Arial" panose="020B0604020202020204" pitchFamily="34" charset="0"/>
+              <a:buChar char="•"/>
+              <a:defRPr sz="2800" kern="1200">
+                <a:solidFill>
+                  <a:schemeClr val="tx1"/>
+                </a:solidFill>
+                <a:latin typeface="+mn-lt"/>
+                <a:ea typeface="+mn-ea"/>
+                <a:cs typeface="+mn-cs"/>
+              </a:defRPr>
+            </a:lvl1pPr>
+            <a:lvl2pPr marL="685800" indent="-228600" algn="l" defTabSz="914400" rtl="0" eaLnBrk="1" latinLnBrk="0" hangingPunct="1">
+              <a:lnSpc>
+                <a:spcPct val="90000"/>
+              </a:lnSpc>
+              <a:spcBef>
+                <a:spcPts val="500"/>
+              </a:spcBef>
+              <a:buFont typeface="Arial" panose="020B0604020202020204" pitchFamily="34" charset="0"/>
+              <a:buChar char="•"/>
+              <a:defRPr sz="2400" kern="1200">
+                <a:solidFill>
+                  <a:schemeClr val="tx1"/>
+                </a:solidFill>
+                <a:latin typeface="+mn-lt"/>
+                <a:ea typeface="+mn-ea"/>
+                <a:cs typeface="+mn-cs"/>
+              </a:defRPr>
+            </a:lvl2pPr>
+            <a:lvl3pPr marL="1143000" indent="-228600" algn="l" defTabSz="914400" rtl="0" eaLnBrk="1" latinLnBrk="0" hangingPunct="1">
+              <a:lnSpc>
+                <a:spcPct val="90000"/>
+              </a:lnSpc>
+              <a:spcBef>
+                <a:spcPts val="500"/>
+              </a:spcBef>
+              <a:buFont typeface="Arial" panose="020B0604020202020204" pitchFamily="34" charset="0"/>
+              <a:buChar char="•"/>
+              <a:defRPr sz="2000" kern="1200">
+                <a:solidFill>
+                  <a:schemeClr val="tx1"/>
+                </a:solidFill>
+                <a:latin typeface="+mn-lt"/>
+                <a:ea typeface="+mn-ea"/>
+                <a:cs typeface="+mn-cs"/>
+              </a:defRPr>
+            </a:lvl3pPr>
+            <a:lvl4pPr marL="1600200" indent="-228600" algn="l" defTabSz="914400" rtl="0" eaLnBrk="1" latinLnBrk="0" hangingPunct="1">
+              <a:lnSpc>
+                <a:spcPct val="90000"/>
+              </a:lnSpc>
+              <a:spcBef>
+                <a:spcPts val="500"/>
+              </a:spcBef>
+              <a:buFont typeface="Arial" panose="020B0604020202020204" pitchFamily="34" charset="0"/>
+              <a:buChar char="•"/>
+              <a:defRPr sz="1800" kern="1200">
+                <a:solidFill>
+                  <a:schemeClr val="tx1"/>
+                </a:solidFill>
+                <a:latin typeface="+mn-lt"/>
+                <a:ea typeface="+mn-ea"/>
+                <a:cs typeface="+mn-cs"/>
+              </a:defRPr>
+            </a:lvl4pPr>
+            <a:lvl5pPr marL="2057400" indent="-228600" algn="l" defTabSz="914400" rtl="0" eaLnBrk="1" latinLnBrk="0" hangingPunct="1">
+              <a:lnSpc>
+                <a:spcPct val="90000"/>
+              </a:lnSpc>
+              <a:spcBef>
+                <a:spcPts val="500"/>
+              </a:spcBef>
+              <a:buFont typeface="Arial" panose="020B0604020202020204" pitchFamily="34" charset="0"/>
+              <a:buChar char="•"/>
+              <a:defRPr sz="1800" kern="1200">
+                <a:solidFill>
+                  <a:schemeClr val="tx1"/>
+                </a:solidFill>
+                <a:latin typeface="+mn-lt"/>
+                <a:ea typeface="+mn-ea"/>
+                <a:cs typeface="+mn-cs"/>
+              </a:defRPr>
+            </a:lvl5pPr>
+            <a:lvl6pPr marL="2514600" indent="-228600" algn="l" defTabSz="914400" rtl="0" eaLnBrk="1" latinLnBrk="0" hangingPunct="1">
+              <a:lnSpc>
+                <a:spcPct val="90000"/>
+              </a:lnSpc>
+              <a:spcBef>
+                <a:spcPts val="500"/>
+              </a:spcBef>
+              <a:buFont typeface="Arial" panose="020B0604020202020204" pitchFamily="34" charset="0"/>
+              <a:buChar char="•"/>
+              <a:defRPr sz="1800" kern="1200">
+                <a:solidFill>
+                  <a:schemeClr val="tx1"/>
+                </a:solidFill>
+                <a:latin typeface="+mn-lt"/>
+                <a:ea typeface="+mn-ea"/>
+                <a:cs typeface="+mn-cs"/>
+              </a:defRPr>
+            </a:lvl6pPr>
+            <a:lvl7pPr marL="2971800" indent="-228600" algn="l" defTabSz="914400" rtl="0" eaLnBrk="1" latinLnBrk="0" hangingPunct="1">
+              <a:lnSpc>
+                <a:spcPct val="90000"/>
+              </a:lnSpc>
+              <a:spcBef>
+                <a:spcPts val="500"/>
+              </a:spcBef>
+              <a:buFont typeface="Arial" panose="020B0604020202020204" pitchFamily="34" charset="0"/>
+              <a:buChar char="•"/>
+              <a:defRPr sz="1800" kern="1200">
+                <a:solidFill>
+                  <a:schemeClr val="tx1"/>
+                </a:solidFill>
+                <a:latin typeface="+mn-lt"/>
+                <a:ea typeface="+mn-ea"/>
+                <a:cs typeface="+mn-cs"/>
+              </a:defRPr>
+            </a:lvl7pPr>
+            <a:lvl8pPr marL="3429000" indent="-228600" algn="l" defTabSz="914400" rtl="0" eaLnBrk="1" latinLnBrk="0" hangingPunct="1">
+              <a:lnSpc>
+                <a:spcPct val="90000"/>
+              </a:lnSpc>
+              <a:spcBef>
+                <a:spcPts val="500"/>
+              </a:spcBef>
+              <a:buFont typeface="Arial" panose="020B0604020202020204" pitchFamily="34" charset="0"/>
+              <a:buChar char="•"/>
+              <a:defRPr sz="1800" kern="1200">
+                <a:solidFill>
+                  <a:schemeClr val="tx1"/>
+                </a:solidFill>
+                <a:latin typeface="+mn-lt"/>
+                <a:ea typeface="+mn-ea"/>
+                <a:cs typeface="+mn-cs"/>
+              </a:defRPr>
+            </a:lvl8pPr>
+            <a:lvl9pPr marL="3886200" indent="-228600" algn="l" defTabSz="914400" rtl="0" eaLnBrk="1" latinLnBrk="0" hangingPunct="1">
+              <a:lnSpc>
+                <a:spcPct val="90000"/>
+              </a:lnSpc>
+              <a:spcBef>
+                <a:spcPts val="500"/>
+              </a:spcBef>
+              <a:buFont typeface="Arial" panose="020B0604020202020204" pitchFamily="34" charset="0"/>
+              <a:buChar char="•"/>
+              <a:defRPr sz="1800" kern="1200">
+                <a:solidFill>
+                  <a:schemeClr val="tx1"/>
+                </a:solidFill>
+                <a:latin typeface="+mn-lt"/>
+                <a:ea typeface="+mn-ea"/>
+                <a:cs typeface="+mn-cs"/>
+              </a:defRPr>
+            </a:lvl9pPr>
+          </a:lstStyle>
+          <a:p>
+            <a:pPr marL="0" indent="0">
+              <a:buNone/>
+            </a:pPr>
+            <a:r>
+              <a:rPr lang="en-US" sz="2000" dirty="0" smtClean="0"/>
+              <a:t>Pros</a:t>
+            </a:r>
+          </a:p>
+          <a:p>
+            <a:pPr marL="457200" lvl="1"/>
+            <a:r>
+              <a:rPr lang="en-US" sz="1600" dirty="0" smtClean="0"/>
+              <a:t>Non-maximum suppression and weak edge marking extract edges well</a:t>
+            </a:r>
+          </a:p>
+          <a:p>
+            <a:pPr marL="0" indent="0">
+              <a:buNone/>
+            </a:pPr>
+            <a:r>
+              <a:rPr lang="en-US" sz="2000" dirty="0" smtClean="0"/>
+              <a:t>Cons</a:t>
+            </a:r>
+          </a:p>
+          <a:p>
+            <a:pPr marL="457200" lvl="1"/>
+            <a:r>
+              <a:rPr lang="en-US" sz="1600" dirty="0" smtClean="0"/>
+              <a:t>Fails with very noisy images, requires parameter tuning</a:t>
+            </a:r>
+          </a:p>
+          <a:p>
+            <a:pPr lvl="1"/>
+            <a:endParaRPr lang="en-US" sz="1600" dirty="0" smtClean="0"/>
+          </a:p>
+          <a:p>
+            <a:endParaRPr lang="en-US" sz="2000" dirty="0"/>
+          </a:p>
+        </p:txBody>
+      </p:sp>
+      <p:pic>
+        <p:nvPicPr>
+          <p:cNvPr id="7" name="Content Placeholder 3"/>
+          <p:cNvPicPr>
+            <a:picLocks noChangeAspect="1"/>
+          </p:cNvPicPr>
+          <p:nvPr/>
+        </p:nvPicPr>
+        <p:blipFill rotWithShape="1">
+          <a:blip r:embed="rId2">
+            <a:extLst>
+              <a:ext uri="{28A0092B-C50C-407E-A947-70E740481C1C}">
+                <a14:useLocalDpi xmlns:a14="http://schemas.microsoft.com/office/drawing/2010/main" val="0"/>
+              </a:ext>
+            </a:extLst>
+          </a:blip>
+          <a:srcRect l="6928" t="12369" r="6109" b="51951"/>
+          <a:stretch/>
+        </p:blipFill>
+        <p:spPr>
+          <a:xfrm>
+            <a:off x="6277583" y="3568127"/>
+            <a:ext cx="5291847" cy="2171193"/>
+          </a:xfrm>
+          <a:prstGeom prst="rect">
+            <a:avLst/>
+          </a:prstGeom>
+        </p:spPr>
+      </p:pic>
+      <p:cxnSp>
+        <p:nvCxnSpPr>
+          <p:cNvPr id="9" name="Straight Connector 8"/>
+          <p:cNvCxnSpPr>
+            <a:stCxn id="2" idx="2"/>
+          </p:cNvCxnSpPr>
+          <p:nvPr/>
+        </p:nvCxnSpPr>
+        <p:spPr>
+          <a:xfrm>
+            <a:off x="6096000" y="1690688"/>
+            <a:ext cx="0" cy="4621212"/>
+          </a:xfrm>
+          <a:prstGeom prst="line">
+            <a:avLst/>
+          </a:prstGeom>
+          <a:ln>
+            <a:solidFill>
+              <a:schemeClr val="tx1">
+                <a:lumMod val="50000"/>
+                <a:lumOff val="50000"/>
+              </a:schemeClr>
+            </a:solidFill>
+          </a:ln>
+        </p:spPr>
+        <p:style>
+          <a:lnRef idx="1">
+            <a:schemeClr val="dk1"/>
+          </a:lnRef>
+          <a:fillRef idx="0">
+            <a:schemeClr val="dk1"/>
+          </a:fillRef>
+          <a:effectRef idx="0">
+            <a:schemeClr val="dk1"/>
+          </a:effectRef>
+          <a:fontRef idx="minor">
+            <a:schemeClr val="tx1"/>
+          </a:fontRef>
+        </p:style>
+      </p:cxnSp>
     </p:spTree>
     <p:extLst>
       <p:ext uri="{BB962C8B-B14F-4D97-AF65-F5344CB8AC3E}">
@@ -3841,6 +4270,13 @@
   <p:clrMapOvr>
     <a:masterClrMapping/>
   </p:clrMapOvr>
+  <p:timing>
+    <p:tnLst>
+      <p:par>
+        <p:cTn id="1" dur="indefinite" restart="never" nodeType="tmRoot"/>
+      </p:par>
+    </p:tnLst>
+  </p:timing>
 </p:sld>
 </file>
 
@@ -3918,6 +4354,96 @@
     <p:extLst>
       <p:ext uri="{BB962C8B-B14F-4D97-AF65-F5344CB8AC3E}">
         <p14:creationId xmlns:p14="http://schemas.microsoft.com/office/powerpoint/2010/main" val="682827625"/>
+      </p:ext>
+    </p:extLst>
+  </p:cSld>
+  <p:clrMapOvr>
+    <a:masterClrMapping/>
+  </p:clrMapOvr>
+  <p:timing>
+    <p:tnLst>
+      <p:par>
+        <p:cTn id="1" dur="indefinite" restart="never" nodeType="tmRoot"/>
+      </p:par>
+    </p:tnLst>
+  </p:timing>
+</p:sld>
+</file>
+
+<file path=ppt/slides/slide7.xml><?xml version="1.0" encoding="utf-8"?>
+<p:sld xmlns:a="http://schemas.openxmlformats.org/drawingml/2006/main" xmlns:r="http://schemas.openxmlformats.org/officeDocument/2006/relationships" xmlns:p="http://schemas.openxmlformats.org/presentationml/2006/main">
+  <p:cSld>
+    <p:spTree>
+      <p:nvGrpSpPr>
+        <p:cNvPr id="1" name=""/>
+        <p:cNvGrpSpPr/>
+        <p:nvPr/>
+      </p:nvGrpSpPr>
+      <p:grpSpPr>
+        <a:xfrm>
+          <a:off x="0" y="0"/>
+          <a:ext cx="0" cy="0"/>
+          <a:chOff x="0" y="0"/>
+          <a:chExt cx="0" cy="0"/>
+        </a:xfrm>
+      </p:grpSpPr>
+      <p:sp>
+        <p:nvSpPr>
+          <p:cNvPr id="2" name="Title 1">
+            <a:extLst>
+              <a:ext uri="{FF2B5EF4-FFF2-40B4-BE49-F238E27FC236}">
+                <a16:creationId xmlns:a16="http://schemas.microsoft.com/office/drawing/2014/main" id="{B313C48D-F270-7644-9DC6-9F4EC8C6BF1A}"/>
+              </a:ext>
+            </a:extLst>
+          </p:cNvPr>
+          <p:cNvSpPr>
+            <a:spLocks noGrp="1"/>
+          </p:cNvSpPr>
+          <p:nvPr>
+            <p:ph type="title"/>
+          </p:nvPr>
+        </p:nvSpPr>
+        <p:spPr/>
+        <p:txBody>
+          <a:bodyPr/>
+          <a:lstStyle/>
+          <a:p>
+            <a:r>
+              <a:rPr lang="en-US" dirty="0"/>
+              <a:t>Sobel Edge Detection</a:t>
+            </a:r>
+          </a:p>
+        </p:txBody>
+      </p:sp>
+      <p:sp>
+        <p:nvSpPr>
+          <p:cNvPr id="3" name="Content Placeholder 2">
+            <a:extLst>
+              <a:ext uri="{FF2B5EF4-FFF2-40B4-BE49-F238E27FC236}">
+                <a16:creationId xmlns:a16="http://schemas.microsoft.com/office/drawing/2014/main" id="{3F36BEE9-182C-B841-8B2E-E56F710EEAA7}"/>
+              </a:ext>
+            </a:extLst>
+          </p:cNvPr>
+          <p:cNvSpPr>
+            <a:spLocks noGrp="1"/>
+          </p:cNvSpPr>
+          <p:nvPr>
+            <p:ph idx="1"/>
+          </p:nvPr>
+        </p:nvSpPr>
+        <p:spPr/>
+        <p:txBody>
+          <a:bodyPr/>
+          <a:lstStyle/>
+          <a:p>
+            <a:endParaRPr lang="en-US"/>
+          </a:p>
+        </p:txBody>
+      </p:sp>
+    </p:spTree>
+    <p:extLst>
+      <p:ext uri="{BB962C8B-B14F-4D97-AF65-F5344CB8AC3E}">
+        <p14:creationId xmlns:p14="http://schemas.microsoft.com/office/powerpoint/2010/main" val="3960134182"/>
       </p:ext>
     </p:extLst>
   </p:cSld>

--- a/TechReview_Presentation.pptx
+++ b/TechReview_Presentation.pptx
@@ -3473,7 +3473,7 @@
           <a:lstStyle/>
           <a:p>
             <a:r>
-              <a:rPr lang="en-US" dirty="0" smtClean="0"/>
+              <a:rPr lang="en-US" dirty="0"/>
               <a:t>Goal: Analyze characteristics of SEM images</a:t>
             </a:r>
           </a:p>
@@ -3482,12 +3482,8 @@
           </a:p>
           <a:p>
             <a:r>
-              <a:rPr lang="en-US" dirty="0" smtClean="0"/>
-              <a:t>Deliverables</a:t>
-            </a:r>
-            <a:r>
               <a:rPr lang="en-US" dirty="0"/>
-              <a:t>:</a:t>
+              <a:t>Deliverables:</a:t>
             </a:r>
           </a:p>
           <a:p>
@@ -3732,10 +3728,9 @@
           <a:lstStyle/>
           <a:p>
             <a:r>
-              <a:rPr lang="en-US" dirty="0" smtClean="0"/>
+              <a:rPr lang="en-US" dirty="0"/>
               <a:t>Example</a:t>
             </a:r>
-            <a:endParaRPr lang="en-US" dirty="0"/>
           </a:p>
         </p:txBody>
       </p:sp>
@@ -3777,13 +3772,6 @@
   <p:clrMapOvr>
     <a:masterClrMapping/>
   </p:clrMapOvr>
-  <p:timing>
-    <p:tnLst>
-      <p:par>
-        <p:cTn id="1" dur="indefinite" restart="never" nodeType="tmRoot"/>
-      </p:par>
-    </p:tnLst>
-  </p:timing>
 </p:sld>
 </file>
 
@@ -3865,7 +3853,7 @@
               <a:buAutoNum type="arabicPeriod"/>
             </a:pPr>
             <a:r>
-              <a:rPr lang="en-US" sz="2400" dirty="0" smtClean="0"/>
+              <a:rPr lang="en-US" sz="2400" dirty="0"/>
               <a:t>Smooth image using Gaussian filter</a:t>
             </a:r>
           </a:p>
@@ -3873,11 +3861,7 @@
             <a:pPr lvl="1"/>
             <a:r>
               <a:rPr lang="en-US" sz="2000" dirty="0"/>
-              <a:t>N</a:t>
-            </a:r>
-            <a:r>
-              <a:rPr lang="en-US" sz="2000" dirty="0" smtClean="0"/>
-              <a:t>oise filtering</a:t>
+              <a:t>Noise filtering</a:t>
             </a:r>
           </a:p>
           <a:p>
@@ -3886,7 +3870,7 @@
               <a:buAutoNum type="arabicPeriod"/>
             </a:pPr>
             <a:r>
-              <a:rPr lang="en-US" sz="2400" dirty="0" smtClean="0"/>
+              <a:rPr lang="en-US" sz="2400" dirty="0"/>
               <a:t>Find intensity gradients </a:t>
             </a:r>
           </a:p>
@@ -3894,11 +3878,7 @@
             <a:pPr lvl="1"/>
             <a:r>
               <a:rPr lang="en-US" sz="2000" dirty="0"/>
-              <a:t>F</a:t>
-            </a:r>
-            <a:r>
-              <a:rPr lang="en-US" sz="2000" dirty="0" smtClean="0"/>
-              <a:t>irst derivatives</a:t>
+              <a:t>First derivatives</a:t>
             </a:r>
           </a:p>
           <a:p>
@@ -3907,14 +3887,14 @@
               <a:buAutoNum type="arabicPeriod"/>
             </a:pPr>
             <a:r>
-              <a:rPr lang="en-US" sz="2400" dirty="0" smtClean="0"/>
+              <a:rPr lang="en-US" sz="2400" dirty="0"/>
               <a:t>Remove non-maximum peaks</a:t>
             </a:r>
           </a:p>
           <a:p>
             <a:pPr lvl="1"/>
             <a:r>
-              <a:rPr lang="en-US" sz="2000" dirty="0" smtClean="0"/>
+              <a:rPr lang="en-US" sz="2000" dirty="0"/>
               <a:t>Compare to nearby gradients</a:t>
             </a:r>
           </a:p>
@@ -3924,7 +3904,7 @@
               <a:buAutoNum type="arabicPeriod"/>
             </a:pPr>
             <a:r>
-              <a:rPr lang="en-US" sz="2400" dirty="0" smtClean="0"/>
+              <a:rPr lang="en-US" sz="2400" dirty="0"/>
               <a:t>Mark weak edges </a:t>
             </a:r>
           </a:p>
@@ -3932,11 +3912,7 @@
             <a:pPr lvl="1"/>
             <a:r>
               <a:rPr lang="en-US" sz="2000" dirty="0"/>
-              <a:t>C</a:t>
-            </a:r>
-            <a:r>
-              <a:rPr lang="en-US" sz="2000" dirty="0" smtClean="0"/>
-              <a:t>aused by true edges, noise, and color</a:t>
+              <a:t>Caused by true edges, noise, and color</a:t>
             </a:r>
           </a:p>
           <a:p>
@@ -3945,17 +3921,16 @@
               <a:buAutoNum type="arabicPeriod"/>
             </a:pPr>
             <a:r>
-              <a:rPr lang="en-US" sz="2400" dirty="0" smtClean="0"/>
+              <a:rPr lang="en-US" sz="2400" dirty="0"/>
               <a:t>Hysteresis edge tracking</a:t>
             </a:r>
           </a:p>
           <a:p>
             <a:pPr lvl="1"/>
             <a:r>
-              <a:rPr lang="en-US" sz="2000" dirty="0" smtClean="0"/>
+              <a:rPr lang="en-US" sz="2000" dirty="0"/>
               <a:t>Remove edges caused by noise and color</a:t>
             </a:r>
-            <a:endParaRPr lang="en-US" sz="2000" dirty="0"/>
           </a:p>
         </p:txBody>
       </p:sp>
@@ -4155,14 +4130,14 @@
               <a:buNone/>
             </a:pPr>
             <a:r>
-              <a:rPr lang="en-US" sz="2000" dirty="0" smtClean="0"/>
+              <a:rPr lang="en-US" sz="2000" dirty="0"/>
               <a:t>Pros</a:t>
             </a:r>
           </a:p>
           <a:p>
             <a:pPr marL="457200" lvl="1"/>
             <a:r>
-              <a:rPr lang="en-US" sz="1600" dirty="0" smtClean="0"/>
+              <a:rPr lang="en-US" sz="1600" dirty="0"/>
               <a:t>Non-maximum suppression and weak edge marking extract edges well</a:t>
             </a:r>
           </a:p>
@@ -4171,20 +4146,20 @@
               <a:buNone/>
             </a:pPr>
             <a:r>
-              <a:rPr lang="en-US" sz="2000" dirty="0" smtClean="0"/>
+              <a:rPr lang="en-US" sz="2000" dirty="0"/>
               <a:t>Cons</a:t>
             </a:r>
           </a:p>
           <a:p>
             <a:pPr marL="457200" lvl="1"/>
             <a:r>
-              <a:rPr lang="en-US" sz="1600" dirty="0" smtClean="0"/>
+              <a:rPr lang="en-US" sz="1600" dirty="0"/>
               <a:t>Fails with very noisy images, requires parameter tuning</a:t>
             </a:r>
           </a:p>
           <a:p>
             <a:pPr lvl="1"/>
-            <a:endParaRPr lang="en-US" sz="1600" dirty="0" smtClean="0"/>
+            <a:endParaRPr lang="en-US" sz="1600" dirty="0"/>
           </a:p>
           <a:p>
             <a:endParaRPr lang="en-US" sz="2000" dirty="0"/>
@@ -4270,13 +4245,6 @@
   <p:clrMapOvr>
     <a:masterClrMapping/>
   </p:clrMapOvr>
-  <p:timing>
-    <p:tnLst>
-      <p:par>
-        <p:cTn id="1" dur="indefinite" restart="never" nodeType="tmRoot"/>
-      </p:par>
-    </p:tnLst>
-  </p:timing>
 </p:sld>
 </file>
 
@@ -4297,6 +4265,41 @@
           <a:chExt cx="0" cy="0"/>
         </a:xfrm>
       </p:grpSpPr>
+      <p:pic>
+        <p:nvPicPr>
+          <p:cNvPr id="9" name="Picture 8">
+            <a:extLst>
+              <a:ext uri="{FF2B5EF4-FFF2-40B4-BE49-F238E27FC236}">
+                <a16:creationId xmlns:a16="http://schemas.microsoft.com/office/drawing/2014/main" id="{691EF1AD-0B06-472B-ADE7-E10909397C10}"/>
+              </a:ext>
+            </a:extLst>
+          </p:cNvPr>
+          <p:cNvPicPr>
+            <a:picLocks noChangeAspect="1"/>
+          </p:cNvPicPr>
+          <p:nvPr/>
+        </p:nvPicPr>
+        <p:blipFill rotWithShape="1">
+          <a:blip r:embed="rId2">
+            <a:extLst>
+              <a:ext uri="{28A0092B-C50C-407E-A947-70E740481C1C}">
+                <a14:useLocalDpi xmlns:a14="http://schemas.microsoft.com/office/drawing/2010/main" val="0"/>
+              </a:ext>
+            </a:extLst>
+          </a:blip>
+          <a:srcRect t="3404"/>
+          <a:stretch/>
+        </p:blipFill>
+        <p:spPr>
+          <a:xfrm>
+            <a:off x="2056026" y="2860864"/>
+            <a:ext cx="3630756" cy="1969779"/>
+          </a:xfrm>
+          <a:prstGeom prst="rect">
+            <a:avLst/>
+          </a:prstGeom>
+        </p:spPr>
+      </p:pic>
       <p:sp>
         <p:nvSpPr>
           <p:cNvPr id="2" name="Title 1">
@@ -4313,40 +4316,594 @@
             <p:ph type="title"/>
           </p:nvPr>
         </p:nvSpPr>
-        <p:spPr/>
+        <p:spPr>
+          <a:xfrm>
+            <a:off x="838921" y="74367"/>
+            <a:ext cx="10515600" cy="1325563"/>
+          </a:xfrm>
+        </p:spPr>
         <p:txBody>
           <a:bodyPr/>
           <a:lstStyle/>
           <a:p>
             <a:r>
               <a:rPr lang="en-US" dirty="0"/>
-              <a:t>Laplace Edge Detection</a:t>
-            </a:r>
-          </a:p>
-        </p:txBody>
-      </p:sp>
-      <p:sp>
-        <p:nvSpPr>
-          <p:cNvPr id="3" name="Content Placeholder 2">
-            <a:extLst>
-              <a:ext uri="{FF2B5EF4-FFF2-40B4-BE49-F238E27FC236}">
-                <a16:creationId xmlns:a16="http://schemas.microsoft.com/office/drawing/2014/main" id="{16F847D5-1985-6D4D-B70C-0E072F5DBACB}"/>
-              </a:ext>
-            </a:extLst>
-          </p:cNvPr>
-          <p:cNvSpPr>
-            <a:spLocks noGrp="1"/>
-          </p:cNvSpPr>
-          <p:nvPr>
-            <p:ph idx="1"/>
-          </p:nvPr>
-        </p:nvSpPr>
-        <p:spPr/>
-        <p:txBody>
-          <a:bodyPr/>
-          <a:lstStyle/>
-          <a:p>
-            <a:endParaRPr lang="en-US"/>
+              <a:t>Laplac</a:t>
+            </a:r>
+            <a:r>
+              <a:rPr lang="en-US" altLang="zh-CN" dirty="0"/>
+              <a:t>ian </a:t>
+            </a:r>
+            <a:r>
+              <a:rPr lang="en-US" dirty="0"/>
+              <a:t>Edge Detection</a:t>
+            </a:r>
+          </a:p>
+        </p:txBody>
+      </p:sp>
+      <p:cxnSp>
+        <p:nvCxnSpPr>
+          <p:cNvPr id="4" name="Straight Connector 3">
+            <a:extLst>
+              <a:ext uri="{FF2B5EF4-FFF2-40B4-BE49-F238E27FC236}">
+                <a16:creationId xmlns:a16="http://schemas.microsoft.com/office/drawing/2014/main" id="{C195D47B-4059-4C13-A5AD-D4A741F0A353}"/>
+              </a:ext>
+            </a:extLst>
+          </p:cNvPr>
+          <p:cNvCxnSpPr/>
+          <p:nvPr/>
+        </p:nvCxnSpPr>
+        <p:spPr>
+          <a:xfrm>
+            <a:off x="6096000" y="1445155"/>
+            <a:ext cx="0" cy="4621212"/>
+          </a:xfrm>
+          <a:prstGeom prst="line">
+            <a:avLst/>
+          </a:prstGeom>
+          <a:ln>
+            <a:solidFill>
+              <a:schemeClr val="tx1">
+                <a:lumMod val="50000"/>
+                <a:lumOff val="50000"/>
+              </a:schemeClr>
+            </a:solidFill>
+          </a:ln>
+        </p:spPr>
+        <p:style>
+          <a:lnRef idx="1">
+            <a:schemeClr val="dk1"/>
+          </a:lnRef>
+          <a:fillRef idx="0">
+            <a:schemeClr val="dk1"/>
+          </a:fillRef>
+          <a:effectRef idx="0">
+            <a:schemeClr val="dk1"/>
+          </a:effectRef>
+          <a:fontRef idx="minor">
+            <a:schemeClr val="tx1"/>
+          </a:fontRef>
+        </p:style>
+      </p:cxnSp>
+      <p:pic>
+        <p:nvPicPr>
+          <p:cNvPr id="5" name="Picture 4">
+            <a:extLst>
+              <a:ext uri="{FF2B5EF4-FFF2-40B4-BE49-F238E27FC236}">
+                <a16:creationId xmlns:a16="http://schemas.microsoft.com/office/drawing/2014/main" id="{C2393AF6-356A-48D3-833F-8A8DC51CC00D}"/>
+              </a:ext>
+            </a:extLst>
+          </p:cNvPr>
+          <p:cNvPicPr>
+            <a:picLocks noChangeAspect="1"/>
+          </p:cNvPicPr>
+          <p:nvPr/>
+        </p:nvPicPr>
+        <p:blipFill rotWithShape="1">
+          <a:blip r:embed="rId3">
+            <a:extLst>
+              <a:ext uri="{28A0092B-C50C-407E-A947-70E740481C1C}">
+                <a14:useLocalDpi xmlns:a14="http://schemas.microsoft.com/office/drawing/2010/main" val="0"/>
+              </a:ext>
+            </a:extLst>
+          </a:blip>
+          <a:srcRect t="-1088" b="-1"/>
+          <a:stretch/>
+        </p:blipFill>
+        <p:spPr>
+          <a:xfrm>
+            <a:off x="1951355" y="4607600"/>
+            <a:ext cx="3467102" cy="2184834"/>
+          </a:xfrm>
+          <a:prstGeom prst="rect">
+            <a:avLst/>
+          </a:prstGeom>
+        </p:spPr>
+      </p:pic>
+      <p:pic>
+        <p:nvPicPr>
+          <p:cNvPr id="6" name="Picture 5">
+            <a:extLst>
+              <a:ext uri="{FF2B5EF4-FFF2-40B4-BE49-F238E27FC236}">
+                <a16:creationId xmlns:a16="http://schemas.microsoft.com/office/drawing/2014/main" id="{87357208-6043-46C7-8833-2A5FADFCEC33}"/>
+              </a:ext>
+            </a:extLst>
+          </p:cNvPr>
+          <p:cNvPicPr>
+            <a:picLocks noChangeAspect="1"/>
+          </p:cNvPicPr>
+          <p:nvPr/>
+        </p:nvPicPr>
+        <p:blipFill rotWithShape="1">
+          <a:blip r:embed="rId4">
+            <a:extLst>
+              <a:ext uri="{28A0092B-C50C-407E-A947-70E740481C1C}">
+                <a14:useLocalDpi xmlns:a14="http://schemas.microsoft.com/office/drawing/2010/main" val="0"/>
+              </a:ext>
+            </a:extLst>
+          </a:blip>
+          <a:srcRect t="646"/>
+          <a:stretch/>
+        </p:blipFill>
+        <p:spPr>
+          <a:xfrm>
+            <a:off x="2074193" y="1414616"/>
+            <a:ext cx="3221426" cy="1325563"/>
+          </a:xfrm>
+          <a:prstGeom prst="rect">
+            <a:avLst/>
+          </a:prstGeom>
+        </p:spPr>
+      </p:pic>
+      <p:sp>
+        <p:nvSpPr>
+          <p:cNvPr id="7" name="TextBox 6">
+            <a:extLst>
+              <a:ext uri="{FF2B5EF4-FFF2-40B4-BE49-F238E27FC236}">
+                <a16:creationId xmlns:a16="http://schemas.microsoft.com/office/drawing/2014/main" id="{A44ACCF9-5D67-46B0-AC3F-5001CF70FE33}"/>
+              </a:ext>
+            </a:extLst>
+          </p:cNvPr>
+          <p:cNvSpPr txBox="1"/>
+          <p:nvPr/>
+        </p:nvSpPr>
+        <p:spPr>
+          <a:xfrm>
+            <a:off x="838200" y="1837161"/>
+            <a:ext cx="1285875" cy="369332"/>
+          </a:xfrm>
+          <a:prstGeom prst="rect">
+            <a:avLst/>
+          </a:prstGeom>
+          <a:noFill/>
+        </p:spPr>
+        <p:txBody>
+          <a:bodyPr wrap="square" rtlCol="0">
+            <a:spAutoFit/>
+          </a:bodyPr>
+          <a:lstStyle/>
+          <a:p>
+            <a:r>
+              <a:rPr lang="en-US" dirty="0"/>
+              <a:t>1D image</a:t>
+            </a:r>
+          </a:p>
+        </p:txBody>
+      </p:sp>
+      <p:sp>
+        <p:nvSpPr>
+          <p:cNvPr id="8" name="TextBox 7">
+            <a:extLst>
+              <a:ext uri="{FF2B5EF4-FFF2-40B4-BE49-F238E27FC236}">
+                <a16:creationId xmlns:a16="http://schemas.microsoft.com/office/drawing/2014/main" id="{0C237A51-CE7E-416F-A12E-2CF672BFABF5}"/>
+              </a:ext>
+            </a:extLst>
+          </p:cNvPr>
+          <p:cNvSpPr txBox="1"/>
+          <p:nvPr/>
+        </p:nvSpPr>
+        <p:spPr>
+          <a:xfrm>
+            <a:off x="813521" y="3232150"/>
+            <a:ext cx="1771652" cy="646331"/>
+          </a:xfrm>
+          <a:prstGeom prst="rect">
+            <a:avLst/>
+          </a:prstGeom>
+          <a:noFill/>
+        </p:spPr>
+        <p:txBody>
+          <a:bodyPr wrap="square" rtlCol="0">
+            <a:spAutoFit/>
+          </a:bodyPr>
+          <a:lstStyle/>
+          <a:p>
+            <a:r>
+              <a:rPr lang="en-US" dirty="0"/>
+              <a:t>First order</a:t>
+            </a:r>
+          </a:p>
+          <a:p>
+            <a:r>
+              <a:rPr lang="en-US" dirty="0"/>
+              <a:t>Derivative</a:t>
+            </a:r>
+          </a:p>
+        </p:txBody>
+      </p:sp>
+      <p:sp>
+        <p:nvSpPr>
+          <p:cNvPr id="10" name="TextBox 9">
+            <a:extLst>
+              <a:ext uri="{FF2B5EF4-FFF2-40B4-BE49-F238E27FC236}">
+                <a16:creationId xmlns:a16="http://schemas.microsoft.com/office/drawing/2014/main" id="{E308418A-5925-4982-B37A-23B2BF669B6C}"/>
+              </a:ext>
+            </a:extLst>
+          </p:cNvPr>
+          <p:cNvSpPr txBox="1"/>
+          <p:nvPr/>
+        </p:nvSpPr>
+        <p:spPr>
+          <a:xfrm>
+            <a:off x="690738" y="5096777"/>
+            <a:ext cx="3467102" cy="646331"/>
+          </a:xfrm>
+          <a:prstGeom prst="rect">
+            <a:avLst/>
+          </a:prstGeom>
+          <a:noFill/>
+        </p:spPr>
+        <p:txBody>
+          <a:bodyPr wrap="square" rtlCol="0">
+            <a:spAutoFit/>
+          </a:bodyPr>
+          <a:lstStyle/>
+          <a:p>
+            <a:r>
+              <a:rPr lang="en-US" dirty="0"/>
+              <a:t>Second order </a:t>
+            </a:r>
+          </a:p>
+          <a:p>
+            <a:r>
+              <a:rPr lang="en-US" dirty="0"/>
+              <a:t>Derivative</a:t>
+            </a:r>
+          </a:p>
+        </p:txBody>
+      </p:sp>
+      <p:cxnSp>
+        <p:nvCxnSpPr>
+          <p:cNvPr id="11" name="Straight Connector 10">
+            <a:extLst>
+              <a:ext uri="{FF2B5EF4-FFF2-40B4-BE49-F238E27FC236}">
+                <a16:creationId xmlns:a16="http://schemas.microsoft.com/office/drawing/2014/main" id="{3B24E1D5-B93A-4497-A3AE-8BFD64D1CEB8}"/>
+              </a:ext>
+            </a:extLst>
+          </p:cNvPr>
+          <p:cNvCxnSpPr>
+            <a:cxnSpLocks/>
+          </p:cNvCxnSpPr>
+          <p:nvPr/>
+        </p:nvCxnSpPr>
+        <p:spPr>
+          <a:xfrm>
+            <a:off x="3894996" y="1340093"/>
+            <a:ext cx="0" cy="5619363"/>
+          </a:xfrm>
+          <a:prstGeom prst="line">
+            <a:avLst/>
+          </a:prstGeom>
+          <a:ln w="38100">
+            <a:solidFill>
+              <a:schemeClr val="bg2">
+                <a:lumMod val="75000"/>
+              </a:schemeClr>
+            </a:solidFill>
+            <a:prstDash val="dash"/>
+          </a:ln>
+        </p:spPr>
+        <p:style>
+          <a:lnRef idx="1">
+            <a:schemeClr val="accent1"/>
+          </a:lnRef>
+          <a:fillRef idx="0">
+            <a:schemeClr val="accent1"/>
+          </a:fillRef>
+          <a:effectRef idx="0">
+            <a:schemeClr val="accent1"/>
+          </a:effectRef>
+          <a:fontRef idx="minor">
+            <a:schemeClr val="tx1"/>
+          </a:fontRef>
+        </p:style>
+      </p:cxnSp>
+      <p:sp>
+        <p:nvSpPr>
+          <p:cNvPr id="16" name="TextBox 15">
+            <a:extLst>
+              <a:ext uri="{FF2B5EF4-FFF2-40B4-BE49-F238E27FC236}">
+                <a16:creationId xmlns:a16="http://schemas.microsoft.com/office/drawing/2014/main" id="{FDAE62B9-EDC9-45FB-BA4F-454FF3890997}"/>
+              </a:ext>
+            </a:extLst>
+          </p:cNvPr>
+          <p:cNvSpPr txBox="1"/>
+          <p:nvPr/>
+        </p:nvSpPr>
+        <p:spPr>
+          <a:xfrm>
+            <a:off x="6214824" y="1718708"/>
+            <a:ext cx="1454334" cy="369332"/>
+          </a:xfrm>
+          <a:prstGeom prst="rect">
+            <a:avLst/>
+          </a:prstGeom>
+          <a:noFill/>
+        </p:spPr>
+        <p:txBody>
+          <a:bodyPr wrap="square" rtlCol="0">
+            <a:spAutoFit/>
+          </a:bodyPr>
+          <a:lstStyle/>
+          <a:p>
+            <a:r>
+              <a:rPr lang="en-US" dirty="0"/>
+              <a:t>Pros: </a:t>
+            </a:r>
+          </a:p>
+        </p:txBody>
+      </p:sp>
+      <p:sp>
+        <p:nvSpPr>
+          <p:cNvPr id="17" name="TextBox 16">
+            <a:extLst>
+              <a:ext uri="{FF2B5EF4-FFF2-40B4-BE49-F238E27FC236}">
+                <a16:creationId xmlns:a16="http://schemas.microsoft.com/office/drawing/2014/main" id="{45477F12-4887-46DA-B269-4162E8F0FA5B}"/>
+              </a:ext>
+            </a:extLst>
+          </p:cNvPr>
+          <p:cNvSpPr txBox="1"/>
+          <p:nvPr/>
+        </p:nvSpPr>
+        <p:spPr>
+          <a:xfrm>
+            <a:off x="6531612" y="2218626"/>
+            <a:ext cx="5353050" cy="369332"/>
+          </a:xfrm>
+          <a:prstGeom prst="rect">
+            <a:avLst/>
+          </a:prstGeom>
+          <a:noFill/>
+        </p:spPr>
+        <p:txBody>
+          <a:bodyPr wrap="square" rtlCol="0">
+            <a:spAutoFit/>
+          </a:bodyPr>
+          <a:lstStyle/>
+          <a:p>
+            <a:r>
+              <a:rPr lang="en-US" dirty="0"/>
+              <a:t>Easy to calculate (One pass calculation)</a:t>
+            </a:r>
+          </a:p>
+        </p:txBody>
+      </p:sp>
+      <p:sp>
+        <p:nvSpPr>
+          <p:cNvPr id="18" name="TextBox 17">
+            <a:extLst>
+              <a:ext uri="{FF2B5EF4-FFF2-40B4-BE49-F238E27FC236}">
+                <a16:creationId xmlns:a16="http://schemas.microsoft.com/office/drawing/2014/main" id="{49A06113-4F33-4076-81AA-F8A4ED1AC1F2}"/>
+              </a:ext>
+            </a:extLst>
+          </p:cNvPr>
+          <p:cNvSpPr txBox="1"/>
+          <p:nvPr/>
+        </p:nvSpPr>
+        <p:spPr>
+          <a:xfrm>
+            <a:off x="6235144" y="2760563"/>
+            <a:ext cx="1454334" cy="369332"/>
+          </a:xfrm>
+          <a:prstGeom prst="rect">
+            <a:avLst/>
+          </a:prstGeom>
+          <a:noFill/>
+        </p:spPr>
+        <p:txBody>
+          <a:bodyPr wrap="square" rtlCol="0">
+            <a:spAutoFit/>
+          </a:bodyPr>
+          <a:lstStyle/>
+          <a:p>
+            <a:r>
+              <a:rPr lang="en-US" dirty="0"/>
+              <a:t>Cons: </a:t>
+            </a:r>
+          </a:p>
+        </p:txBody>
+      </p:sp>
+      <p:sp>
+        <p:nvSpPr>
+          <p:cNvPr id="19" name="TextBox 18">
+            <a:extLst>
+              <a:ext uri="{FF2B5EF4-FFF2-40B4-BE49-F238E27FC236}">
+                <a16:creationId xmlns:a16="http://schemas.microsoft.com/office/drawing/2014/main" id="{44C7EA94-44FA-423F-9E12-E6D6FF5A4563}"/>
+              </a:ext>
+            </a:extLst>
+          </p:cNvPr>
+          <p:cNvSpPr txBox="1"/>
+          <p:nvPr/>
+        </p:nvSpPr>
+        <p:spPr>
+          <a:xfrm>
+            <a:off x="6531612" y="3325232"/>
+            <a:ext cx="6629401" cy="646331"/>
+          </a:xfrm>
+          <a:prstGeom prst="rect">
+            <a:avLst/>
+          </a:prstGeom>
+          <a:noFill/>
+        </p:spPr>
+        <p:txBody>
+          <a:bodyPr wrap="square" rtlCol="0">
+            <a:spAutoFit/>
+          </a:bodyPr>
+          <a:lstStyle/>
+          <a:p>
+            <a:r>
+              <a:rPr lang="en-US" dirty="0"/>
+              <a:t>Sensitive to noise</a:t>
+            </a:r>
+          </a:p>
+          <a:p>
+            <a:r>
+              <a:rPr lang="en-US" dirty="0"/>
+              <a:t>Need to apply filter before/after the edge detection</a:t>
+            </a:r>
+          </a:p>
+        </p:txBody>
+      </p:sp>
+      <p:pic>
+        <p:nvPicPr>
+          <p:cNvPr id="20" name="Picture 19">
+            <a:extLst>
+              <a:ext uri="{FF2B5EF4-FFF2-40B4-BE49-F238E27FC236}">
+                <a16:creationId xmlns:a16="http://schemas.microsoft.com/office/drawing/2014/main" id="{60B65B11-00B4-4094-946A-769B32B71A76}"/>
+              </a:ext>
+            </a:extLst>
+          </p:cNvPr>
+          <p:cNvPicPr>
+            <a:picLocks noChangeAspect="1"/>
+          </p:cNvPicPr>
+          <p:nvPr/>
+        </p:nvPicPr>
+        <p:blipFill>
+          <a:blip r:embed="rId5">
+            <a:extLst>
+              <a:ext uri="{28A0092B-C50C-407E-A947-70E740481C1C}">
+                <a14:useLocalDpi xmlns:a14="http://schemas.microsoft.com/office/drawing/2010/main" val="0"/>
+              </a:ext>
+            </a:extLst>
+          </a:blip>
+          <a:stretch>
+            <a:fillRect/>
+          </a:stretch>
+        </p:blipFill>
+        <p:spPr>
+          <a:xfrm>
+            <a:off x="6218838" y="5006752"/>
+            <a:ext cx="2201255" cy="1110615"/>
+          </a:xfrm>
+          <a:prstGeom prst="rect">
+            <a:avLst/>
+          </a:prstGeom>
+        </p:spPr>
+      </p:pic>
+      <p:pic>
+        <p:nvPicPr>
+          <p:cNvPr id="21" name="Picture 20">
+            <a:extLst>
+              <a:ext uri="{FF2B5EF4-FFF2-40B4-BE49-F238E27FC236}">
+                <a16:creationId xmlns:a16="http://schemas.microsoft.com/office/drawing/2014/main" id="{0502F47B-D843-4667-9436-F8EE7566CE5E}"/>
+              </a:ext>
+            </a:extLst>
+          </p:cNvPr>
+          <p:cNvPicPr>
+            <a:picLocks noChangeAspect="1"/>
+          </p:cNvPicPr>
+          <p:nvPr/>
+        </p:nvPicPr>
+        <p:blipFill>
+          <a:blip r:embed="rId6">
+            <a:extLst>
+              <a:ext uri="{28A0092B-C50C-407E-A947-70E740481C1C}">
+                <a14:useLocalDpi xmlns:a14="http://schemas.microsoft.com/office/drawing/2010/main" val="0"/>
+              </a:ext>
+            </a:extLst>
+          </a:blip>
+          <a:stretch>
+            <a:fillRect/>
+          </a:stretch>
+        </p:blipFill>
+        <p:spPr>
+          <a:xfrm>
+            <a:off x="8536955" y="4975593"/>
+            <a:ext cx="1230928" cy="1222008"/>
+          </a:xfrm>
+          <a:prstGeom prst="rect">
+            <a:avLst/>
+          </a:prstGeom>
+        </p:spPr>
+      </p:pic>
+      <p:pic>
+        <p:nvPicPr>
+          <p:cNvPr id="22" name="Picture 21">
+            <a:extLst>
+              <a:ext uri="{FF2B5EF4-FFF2-40B4-BE49-F238E27FC236}">
+                <a16:creationId xmlns:a16="http://schemas.microsoft.com/office/drawing/2014/main" id="{43614785-595C-458D-AA39-7705C7B81EBD}"/>
+              </a:ext>
+            </a:extLst>
+          </p:cNvPr>
+          <p:cNvPicPr>
+            <a:picLocks noChangeAspect="1"/>
+          </p:cNvPicPr>
+          <p:nvPr/>
+        </p:nvPicPr>
+        <p:blipFill>
+          <a:blip r:embed="rId7">
+            <a:extLst>
+              <a:ext uri="{28A0092B-C50C-407E-A947-70E740481C1C}">
+                <a14:useLocalDpi xmlns:a14="http://schemas.microsoft.com/office/drawing/2010/main" val="0"/>
+              </a:ext>
+            </a:extLst>
+          </a:blip>
+          <a:stretch>
+            <a:fillRect/>
+          </a:stretch>
+        </p:blipFill>
+        <p:spPr>
+          <a:xfrm>
+            <a:off x="9884745" y="4975593"/>
+            <a:ext cx="1230928" cy="1230928"/>
+          </a:xfrm>
+          <a:prstGeom prst="rect">
+            <a:avLst/>
+          </a:prstGeom>
+        </p:spPr>
+      </p:pic>
+      <p:sp>
+        <p:nvSpPr>
+          <p:cNvPr id="23" name="TextBox 22">
+            <a:extLst>
+              <a:ext uri="{FF2B5EF4-FFF2-40B4-BE49-F238E27FC236}">
+                <a16:creationId xmlns:a16="http://schemas.microsoft.com/office/drawing/2014/main" id="{C5E17B3A-0914-4849-8FF8-B7A74654F3A9}"/>
+              </a:ext>
+            </a:extLst>
+          </p:cNvPr>
+          <p:cNvSpPr txBox="1"/>
+          <p:nvPr/>
+        </p:nvSpPr>
+        <p:spPr>
+          <a:xfrm>
+            <a:off x="6267143" y="4327644"/>
+            <a:ext cx="2076495" cy="369332"/>
+          </a:xfrm>
+          <a:prstGeom prst="rect">
+            <a:avLst/>
+          </a:prstGeom>
+          <a:noFill/>
+        </p:spPr>
+        <p:txBody>
+          <a:bodyPr wrap="square" rtlCol="0">
+            <a:spAutoFit/>
+          </a:bodyPr>
+          <a:lstStyle/>
+          <a:p>
+            <a:r>
+              <a:rPr lang="en-US" dirty="0"/>
+              <a:t>Examples:</a:t>
+            </a:r>
           </a:p>
         </p:txBody>
       </p:sp>
@@ -4363,7 +4920,75 @@
   <p:timing>
     <p:tnLst>
       <p:par>
-        <p:cTn id="1" dur="indefinite" restart="never" nodeType="tmRoot"/>
+        <p:cTn id="1" dur="indefinite" restart="never" nodeType="tmRoot">
+          <p:childTnLst>
+            <p:seq concurrent="1" nextAc="seek">
+              <p:cTn id="2" dur="indefinite" nodeType="mainSeq">
+                <p:childTnLst>
+                  <p:par>
+                    <p:cTn id="3" fill="hold">
+                      <p:stCondLst>
+                        <p:cond delay="indefinite"/>
+                      </p:stCondLst>
+                      <p:childTnLst>
+                        <p:par>
+                          <p:cTn id="4" fill="hold">
+                            <p:stCondLst>
+                              <p:cond delay="0"/>
+                            </p:stCondLst>
+                            <p:childTnLst>
+                              <p:par>
+                                <p:cTn id="5" presetID="1" presetClass="entr" presetSubtype="0" fill="hold" nodeType="clickEffect">
+                                  <p:stCondLst>
+                                    <p:cond delay="0"/>
+                                  </p:stCondLst>
+                                  <p:childTnLst>
+                                    <p:set>
+                                      <p:cBhvr>
+                                        <p:cTn id="6" dur="1" fill="hold">
+                                          <p:stCondLst>
+                                            <p:cond delay="0"/>
+                                          </p:stCondLst>
+                                        </p:cTn>
+                                        <p:tgtEl>
+                                          <p:spTgt spid="11"/>
+                                        </p:tgtEl>
+                                        <p:attrNameLst>
+                                          <p:attrName>style.visibility</p:attrName>
+                                        </p:attrNameLst>
+                                      </p:cBhvr>
+                                      <p:to>
+                                        <p:strVal val="visible"/>
+                                      </p:to>
+                                    </p:set>
+                                  </p:childTnLst>
+                                </p:cTn>
+                              </p:par>
+                            </p:childTnLst>
+                          </p:cTn>
+                        </p:par>
+                      </p:childTnLst>
+                    </p:cTn>
+                  </p:par>
+                </p:childTnLst>
+              </p:cTn>
+              <p:prevCondLst>
+                <p:cond evt="onPrev" delay="0">
+                  <p:tgtEl>
+                    <p:sldTgt/>
+                  </p:tgtEl>
+                </p:cond>
+              </p:prevCondLst>
+              <p:nextCondLst>
+                <p:cond evt="onNext" delay="0">
+                  <p:tgtEl>
+                    <p:sldTgt/>
+                  </p:tgtEl>
+                </p:cond>
+              </p:nextCondLst>
+            </p:seq>
+          </p:childTnLst>
+        </p:cTn>
       </p:par>
     </p:tnLst>
   </p:timing>

--- a/TechReview_Presentation.pptx
+++ b/TechReview_Presentation.pptx
@@ -11,7 +11,7 @@
     <p:sldId id="262" r:id="rId5"/>
     <p:sldId id="259" r:id="rId6"/>
     <p:sldId id="260" r:id="rId7"/>
-    <p:sldId id="258" r:id="rId8"/>
+    <p:sldId id="263" r:id="rId8"/>
   </p:sldIdLst>
   <p:sldSz cx="12192000" cy="6858000"/>
   <p:notesSz cx="6858000" cy="9144000"/>
@@ -3757,7 +3757,7 @@
         </p:blipFill>
         <p:spPr>
           <a:xfrm>
-            <a:off x="3450076" y="1690688"/>
+            <a:off x="2476328" y="1690688"/>
             <a:ext cx="5291847" cy="4557245"/>
           </a:xfrm>
         </p:spPr>
@@ -5017,7 +5017,7 @@
           <p:cNvPr id="2" name="Title 1">
             <a:extLst>
               <a:ext uri="{FF2B5EF4-FFF2-40B4-BE49-F238E27FC236}">
-                <a16:creationId xmlns:a16="http://schemas.microsoft.com/office/drawing/2014/main" id="{B313C48D-F270-7644-9DC6-9F4EC8C6BF1A}"/>
+                <a16:creationId xmlns:a16="http://schemas.microsoft.com/office/drawing/2014/main" id="{C6C3CEFF-ED03-4A42-9A31-EFAA0B3B2CBA}"/>
               </a:ext>
             </a:extLst>
           </p:cNvPr>
@@ -5037,6 +5037,7 @@
               <a:rPr lang="en-US" dirty="0"/>
               <a:t>Sobel Edge Detection</a:t>
             </a:r>
+            <a:endParaRPr lang="en-IN" dirty="0"/>
           </a:p>
         </p:txBody>
       </p:sp>
@@ -5045,15 +5046,88 @@
           <p:cNvPr id="3" name="Content Placeholder 2">
             <a:extLst>
               <a:ext uri="{FF2B5EF4-FFF2-40B4-BE49-F238E27FC236}">
-                <a16:creationId xmlns:a16="http://schemas.microsoft.com/office/drawing/2014/main" id="{3F36BEE9-182C-B841-8B2E-E56F710EEAA7}"/>
-              </a:ext>
-            </a:extLst>
-          </p:cNvPr>
-          <p:cNvSpPr>
-            <a:spLocks noGrp="1"/>
-          </p:cNvSpPr>
-          <p:nvPr>
-            <p:ph idx="1"/>
+                <a16:creationId xmlns:a16="http://schemas.microsoft.com/office/drawing/2014/main" id="{D4CBFD09-96B5-4D59-98AA-B1EEAD9DC480}"/>
+              </a:ext>
+            </a:extLst>
+          </p:cNvPr>
+          <p:cNvSpPr>
+            <a:spLocks noGrp="1"/>
+          </p:cNvSpPr>
+          <p:nvPr>
+            <p:ph sz="half" idx="1"/>
+          </p:nvPr>
+        </p:nvSpPr>
+        <p:spPr>
+          <a:xfrm>
+            <a:off x="838200" y="1825625"/>
+            <a:ext cx="5181600" cy="4351338"/>
+          </a:xfrm>
+        </p:spPr>
+        <p:txBody>
+          <a:bodyPr/>
+          <a:lstStyle/>
+          <a:p>
+            <a:pPr marL="285750" indent="-285750"/>
+            <a:r>
+              <a:rPr lang="en-IN" sz="2400" dirty="0"/>
+              <a:t>Sobel operators is a joint Gaussian smoothing plus differentiation operation</a:t>
+            </a:r>
+          </a:p>
+          <a:p>
+            <a:pPr marL="285750" indent="-285750"/>
+            <a:r>
+              <a:rPr lang="en-IN" sz="2400" dirty="0"/>
+              <a:t>You can specify the direction of the derivative</a:t>
+            </a:r>
+          </a:p>
+          <a:p>
+            <a:pPr marL="285750" indent="-285750"/>
+            <a:r>
+              <a:rPr lang="en-IN" sz="2400" dirty="0"/>
+              <a:t>Size of the </a:t>
+            </a:r>
+            <a:r>
+              <a:rPr lang="en-IN" sz="2400" dirty="0" err="1"/>
+              <a:t>Kernal</a:t>
+            </a:r>
+            <a:r>
+              <a:rPr lang="en-IN" sz="2400" dirty="0"/>
+              <a:t> can be changed</a:t>
+            </a:r>
+          </a:p>
+          <a:p>
+            <a:pPr marL="0" indent="0">
+              <a:buNone/>
+            </a:pPr>
+            <a:endParaRPr lang="en-IN" sz="2400" dirty="0"/>
+          </a:p>
+          <a:p>
+            <a:pPr marL="285750" indent="-285750"/>
+            <a:endParaRPr lang="en-IN" sz="2400" dirty="0"/>
+          </a:p>
+          <a:p>
+            <a:pPr marL="285750" indent="-285750"/>
+            <a:endParaRPr lang="en-IN" sz="2400" dirty="0"/>
+          </a:p>
+          <a:p>
+            <a:endParaRPr lang="en-IN" dirty="0"/>
+          </a:p>
+        </p:txBody>
+      </p:sp>
+      <p:sp>
+        <p:nvSpPr>
+          <p:cNvPr id="4" name="Content Placeholder 3">
+            <a:extLst>
+              <a:ext uri="{FF2B5EF4-FFF2-40B4-BE49-F238E27FC236}">
+                <a16:creationId xmlns:a16="http://schemas.microsoft.com/office/drawing/2014/main" id="{BAE47C5A-B6CF-4227-9352-3F5C124B4A99}"/>
+              </a:ext>
+            </a:extLst>
+          </p:cNvPr>
+          <p:cNvSpPr>
+            <a:spLocks noGrp="1"/>
+          </p:cNvSpPr>
+          <p:nvPr>
+            <p:ph sz="half" idx="2"/>
           </p:nvPr>
         </p:nvSpPr>
         <p:spPr/>
@@ -5061,14 +5135,239 @@
           <a:bodyPr/>
           <a:lstStyle/>
           <a:p>
-            <a:endParaRPr lang="en-US"/>
-          </a:p>
-        </p:txBody>
-      </p:sp>
+            <a:r>
+              <a:rPr lang="en-US" sz="2000" dirty="0"/>
+              <a:t>Pros:</a:t>
+            </a:r>
+          </a:p>
+          <a:p>
+            <a:pPr lvl="1"/>
+            <a:r>
+              <a:rPr lang="en-US" sz="1600" dirty="0"/>
+              <a:t>Edges seem thick and bright</a:t>
+            </a:r>
+            <a:endParaRPr lang="en-US" sz="2000" dirty="0"/>
+          </a:p>
+          <a:p>
+            <a:r>
+              <a:rPr lang="en-US" sz="2000" dirty="0"/>
+              <a:t>Cons:</a:t>
+            </a:r>
+          </a:p>
+          <a:p>
+            <a:pPr lvl="1"/>
+            <a:r>
+              <a:rPr lang="en-US" sz="1600" dirty="0"/>
+              <a:t>High Computational time</a:t>
+            </a:r>
+          </a:p>
+          <a:p>
+            <a:pPr lvl="1"/>
+            <a:r>
+              <a:rPr lang="en-US" sz="1600" dirty="0"/>
+              <a:t>It is very noisy.</a:t>
+            </a:r>
+          </a:p>
+        </p:txBody>
+      </p:sp>
+      <p:pic>
+        <p:nvPicPr>
+          <p:cNvPr id="5" name="Picture 4">
+            <a:extLst>
+              <a:ext uri="{FF2B5EF4-FFF2-40B4-BE49-F238E27FC236}">
+                <a16:creationId xmlns:a16="http://schemas.microsoft.com/office/drawing/2014/main" id="{F9F48AAD-EA2C-42F0-A1EB-6D28AA7EBBF5}"/>
+              </a:ext>
+            </a:extLst>
+          </p:cNvPr>
+          <p:cNvPicPr>
+            <a:picLocks noChangeAspect="1"/>
+          </p:cNvPicPr>
+          <p:nvPr/>
+        </p:nvPicPr>
+        <p:blipFill>
+          <a:blip r:embed="rId2"/>
+          <a:stretch>
+            <a:fillRect/>
+          </a:stretch>
+        </p:blipFill>
+        <p:spPr>
+          <a:xfrm>
+            <a:off x="6191250" y="4001294"/>
+            <a:ext cx="2571750" cy="2114550"/>
+          </a:xfrm>
+          <a:prstGeom prst="rect">
+            <a:avLst/>
+          </a:prstGeom>
+        </p:spPr>
+      </p:pic>
+      <p:pic>
+        <p:nvPicPr>
+          <p:cNvPr id="6" name="Picture 5">
+            <a:extLst>
+              <a:ext uri="{FF2B5EF4-FFF2-40B4-BE49-F238E27FC236}">
+                <a16:creationId xmlns:a16="http://schemas.microsoft.com/office/drawing/2014/main" id="{7B7BD183-A526-414C-97A7-527551AB7E74}"/>
+              </a:ext>
+            </a:extLst>
+          </p:cNvPr>
+          <p:cNvPicPr>
+            <a:picLocks noChangeAspect="1"/>
+          </p:cNvPicPr>
+          <p:nvPr/>
+        </p:nvPicPr>
+        <p:blipFill>
+          <a:blip r:embed="rId3"/>
+          <a:stretch>
+            <a:fillRect/>
+          </a:stretch>
+        </p:blipFill>
+        <p:spPr>
+          <a:xfrm>
+            <a:off x="8931461" y="4001294"/>
+            <a:ext cx="2638425" cy="2133600"/>
+          </a:xfrm>
+          <a:prstGeom prst="rect">
+            <a:avLst/>
+          </a:prstGeom>
+        </p:spPr>
+      </p:pic>
+      <p:pic>
+        <p:nvPicPr>
+          <p:cNvPr id="7" name="Picture 6">
+            <a:extLst>
+              <a:ext uri="{FF2B5EF4-FFF2-40B4-BE49-F238E27FC236}">
+                <a16:creationId xmlns:a16="http://schemas.microsoft.com/office/drawing/2014/main" id="{7BE9C86E-9667-43C9-9DA1-1F5D58C5A403}"/>
+              </a:ext>
+            </a:extLst>
+          </p:cNvPr>
+          <p:cNvPicPr>
+            <a:picLocks noChangeAspect="1"/>
+          </p:cNvPicPr>
+          <p:nvPr/>
+        </p:nvPicPr>
+        <p:blipFill>
+          <a:blip r:embed="rId4"/>
+          <a:stretch>
+            <a:fillRect/>
+          </a:stretch>
+        </p:blipFill>
+        <p:spPr>
+          <a:xfrm>
+            <a:off x="307422" y="4557515"/>
+            <a:ext cx="3066199" cy="1325562"/>
+          </a:xfrm>
+          <a:prstGeom prst="rect">
+            <a:avLst/>
+          </a:prstGeom>
+        </p:spPr>
+      </p:pic>
+      <p:pic>
+        <p:nvPicPr>
+          <p:cNvPr id="9" name="Picture 8">
+            <a:extLst>
+              <a:ext uri="{FF2B5EF4-FFF2-40B4-BE49-F238E27FC236}">
+                <a16:creationId xmlns:a16="http://schemas.microsoft.com/office/drawing/2014/main" id="{4578F6A6-5272-499C-A161-9DCC959A5F70}"/>
+              </a:ext>
+            </a:extLst>
+          </p:cNvPr>
+          <p:cNvPicPr>
+            <a:picLocks noChangeAspect="1"/>
+          </p:cNvPicPr>
+          <p:nvPr/>
+        </p:nvPicPr>
+        <p:blipFill>
+          <a:blip r:embed="rId5"/>
+          <a:stretch>
+            <a:fillRect/>
+          </a:stretch>
+        </p:blipFill>
+        <p:spPr>
+          <a:xfrm>
+            <a:off x="3106057" y="4613735"/>
+            <a:ext cx="2707614" cy="1140655"/>
+          </a:xfrm>
+          <a:prstGeom prst="rect">
+            <a:avLst/>
+          </a:prstGeom>
+        </p:spPr>
+      </p:pic>
+      <p:pic>
+        <p:nvPicPr>
+          <p:cNvPr id="10" name="Picture 9">
+            <a:extLst>
+              <a:ext uri="{FF2B5EF4-FFF2-40B4-BE49-F238E27FC236}">
+                <a16:creationId xmlns:a16="http://schemas.microsoft.com/office/drawing/2014/main" id="{63DE4B46-BC68-44B8-90E5-2CDFF84CC971}"/>
+              </a:ext>
+            </a:extLst>
+          </p:cNvPr>
+          <p:cNvPicPr>
+            <a:picLocks noChangeAspect="1"/>
+          </p:cNvPicPr>
+          <p:nvPr/>
+        </p:nvPicPr>
+        <p:blipFill>
+          <a:blip r:embed="rId6"/>
+          <a:stretch>
+            <a:fillRect/>
+          </a:stretch>
+        </p:blipFill>
+        <p:spPr>
+          <a:xfrm>
+            <a:off x="2197286" y="5870575"/>
+            <a:ext cx="1476375" cy="571500"/>
+          </a:xfrm>
+          <a:prstGeom prst="rect">
+            <a:avLst/>
+          </a:prstGeom>
+        </p:spPr>
+      </p:pic>
+      <p:cxnSp>
+        <p:nvCxnSpPr>
+          <p:cNvPr id="14" name="Straight Connector 13">
+            <a:extLst>
+              <a:ext uri="{FF2B5EF4-FFF2-40B4-BE49-F238E27FC236}">
+                <a16:creationId xmlns:a16="http://schemas.microsoft.com/office/drawing/2014/main" id="{5FDB7BCE-006B-4E78-A811-CE87D0F31997}"/>
+              </a:ext>
+            </a:extLst>
+          </p:cNvPr>
+          <p:cNvCxnSpPr/>
+          <p:nvPr/>
+        </p:nvCxnSpPr>
+        <p:spPr>
+          <a:xfrm>
+            <a:off x="6096000" y="1690688"/>
+            <a:ext cx="0" cy="4621212"/>
+          </a:xfrm>
+          <a:prstGeom prst="line">
+            <a:avLst/>
+          </a:prstGeom>
+          <a:ln>
+            <a:solidFill>
+              <a:schemeClr val="tx1">
+                <a:lumMod val="50000"/>
+                <a:lumOff val="50000"/>
+              </a:schemeClr>
+            </a:solidFill>
+          </a:ln>
+        </p:spPr>
+        <p:style>
+          <a:lnRef idx="1">
+            <a:schemeClr val="dk1"/>
+          </a:lnRef>
+          <a:fillRef idx="0">
+            <a:schemeClr val="dk1"/>
+          </a:fillRef>
+          <a:effectRef idx="0">
+            <a:schemeClr val="dk1"/>
+          </a:effectRef>
+          <a:fontRef idx="minor">
+            <a:schemeClr val="tx1"/>
+          </a:fontRef>
+        </p:style>
+      </p:cxnSp>
     </p:spTree>
     <p:extLst>
       <p:ext uri="{BB962C8B-B14F-4D97-AF65-F5344CB8AC3E}">
-        <p14:creationId xmlns:p14="http://schemas.microsoft.com/office/powerpoint/2010/main" val="3960134182"/>
+        <p14:creationId xmlns:p14="http://schemas.microsoft.com/office/powerpoint/2010/main" val="2049709711"/>
       </p:ext>
     </p:extLst>
   </p:cSld>

--- a/TechReview_Presentation.pptx
+++ b/TechReview_Presentation.pptx
@@ -5070,7 +5070,7 @@
             <a:pPr marL="285750" indent="-285750"/>
             <a:r>
               <a:rPr lang="en-IN" sz="2400" dirty="0"/>
-              <a:t>Sobel operators is a joint Gaussian smoothing plus differentiation operation</a:t>
+              <a:t>Sobel operator is a joint Gaussian smoothing and differentiation operation</a:t>
             </a:r>
           </a:p>
           <a:p>

--- a/TechReview_Presentation.pptx
+++ b/TechReview_Presentation.pptx
@@ -265,7 +265,7 @@
           <a:p>
             <a:fld id="{0C65C9FF-3F31-0A45-9B98-91187E9A121A}" type="datetimeFigureOut">
               <a:rPr lang="en-US" smtClean="0"/>
-              <a:t>2/20/2019</a:t>
+              <a:t>2/21/19</a:t>
             </a:fld>
             <a:endParaRPr lang="en-US"/>
           </a:p>
@@ -463,7 +463,7 @@
           <a:p>
             <a:fld id="{0C65C9FF-3F31-0A45-9B98-91187E9A121A}" type="datetimeFigureOut">
               <a:rPr lang="en-US" smtClean="0"/>
-              <a:t>2/20/2019</a:t>
+              <a:t>2/21/19</a:t>
             </a:fld>
             <a:endParaRPr lang="en-US"/>
           </a:p>
@@ -671,7 +671,7 @@
           <a:p>
             <a:fld id="{0C65C9FF-3F31-0A45-9B98-91187E9A121A}" type="datetimeFigureOut">
               <a:rPr lang="en-US" smtClean="0"/>
-              <a:t>2/20/2019</a:t>
+              <a:t>2/21/19</a:t>
             </a:fld>
             <a:endParaRPr lang="en-US"/>
           </a:p>
@@ -869,7 +869,7 @@
           <a:p>
             <a:fld id="{0C65C9FF-3F31-0A45-9B98-91187E9A121A}" type="datetimeFigureOut">
               <a:rPr lang="en-US" smtClean="0"/>
-              <a:t>2/20/2019</a:t>
+              <a:t>2/21/19</a:t>
             </a:fld>
             <a:endParaRPr lang="en-US"/>
           </a:p>
@@ -1144,7 +1144,7 @@
           <a:p>
             <a:fld id="{0C65C9FF-3F31-0A45-9B98-91187E9A121A}" type="datetimeFigureOut">
               <a:rPr lang="en-US" smtClean="0"/>
-              <a:t>2/20/2019</a:t>
+              <a:t>2/21/19</a:t>
             </a:fld>
             <a:endParaRPr lang="en-US"/>
           </a:p>
@@ -1409,7 +1409,7 @@
           <a:p>
             <a:fld id="{0C65C9FF-3F31-0A45-9B98-91187E9A121A}" type="datetimeFigureOut">
               <a:rPr lang="en-US" smtClean="0"/>
-              <a:t>2/20/2019</a:t>
+              <a:t>2/21/19</a:t>
             </a:fld>
             <a:endParaRPr lang="en-US"/>
           </a:p>
@@ -1821,7 +1821,7 @@
           <a:p>
             <a:fld id="{0C65C9FF-3F31-0A45-9B98-91187E9A121A}" type="datetimeFigureOut">
               <a:rPr lang="en-US" smtClean="0"/>
-              <a:t>2/20/2019</a:t>
+              <a:t>2/21/19</a:t>
             </a:fld>
             <a:endParaRPr lang="en-US"/>
           </a:p>
@@ -1962,7 +1962,7 @@
           <a:p>
             <a:fld id="{0C65C9FF-3F31-0A45-9B98-91187E9A121A}" type="datetimeFigureOut">
               <a:rPr lang="en-US" smtClean="0"/>
-              <a:t>2/20/2019</a:t>
+              <a:t>2/21/19</a:t>
             </a:fld>
             <a:endParaRPr lang="en-US"/>
           </a:p>
@@ -2075,7 +2075,7 @@
           <a:p>
             <a:fld id="{0C65C9FF-3F31-0A45-9B98-91187E9A121A}" type="datetimeFigureOut">
               <a:rPr lang="en-US" smtClean="0"/>
-              <a:t>2/20/2019</a:t>
+              <a:t>2/21/19</a:t>
             </a:fld>
             <a:endParaRPr lang="en-US"/>
           </a:p>
@@ -2386,7 +2386,7 @@
           <a:p>
             <a:fld id="{0C65C9FF-3F31-0A45-9B98-91187E9A121A}" type="datetimeFigureOut">
               <a:rPr lang="en-US" smtClean="0"/>
-              <a:t>2/20/2019</a:t>
+              <a:t>2/21/19</a:t>
             </a:fld>
             <a:endParaRPr lang="en-US"/>
           </a:p>
@@ -2674,7 +2674,7 @@
           <a:p>
             <a:fld id="{0C65C9FF-3F31-0A45-9B98-91187E9A121A}" type="datetimeFigureOut">
               <a:rPr lang="en-US" smtClean="0"/>
-              <a:t>2/20/2019</a:t>
+              <a:t>2/21/19</a:t>
             </a:fld>
             <a:endParaRPr lang="en-US"/>
           </a:p>
@@ -2915,7 +2915,7 @@
           <a:p>
             <a:fld id="{0C65C9FF-3F31-0A45-9B98-91187E9A121A}" type="datetimeFigureOut">
               <a:rPr lang="en-US" smtClean="0"/>
-              <a:t>2/20/2019</a:t>
+              <a:t>2/21/19</a:t>
             </a:fld>
             <a:endParaRPr lang="en-US"/>
           </a:p>
@@ -3383,8 +3383,33 @@
           <a:p>
             <a:r>
               <a:rPr lang="en-US" dirty="0"/>
-              <a:t>Members:</a:t>
-            </a:r>
+              <a:t>Members: Omkar </a:t>
+            </a:r>
+            <a:r>
+              <a:rPr lang="en-US" dirty="0" err="1"/>
+              <a:t>Bhambure</a:t>
+            </a:r>
+            <a:r>
+              <a:rPr lang="en-US" dirty="0"/>
+              <a:t>, </a:t>
+            </a:r>
+            <a:r>
+              <a:rPr lang="en-US" dirty="0" err="1"/>
+              <a:t>Yueyang</a:t>
+            </a:r>
+            <a:r>
+              <a:rPr lang="en-US" dirty="0"/>
+              <a:t> Chen, </a:t>
+            </a:r>
+            <a:r>
+              <a:rPr lang="en-US"/>
+              <a:t>Rachel Gebhart, Isaac </a:t>
+            </a:r>
+            <a:r>
+              <a:rPr lang="en-US" dirty="0" err="1"/>
+              <a:t>Kretzmer</a:t>
+            </a:r>
+            <a:endParaRPr lang="en-US" dirty="0"/>
           </a:p>
           <a:p>
             <a:endParaRPr lang="en-US" dirty="0"/>

--- a/TechReview_Presentation.pptx
+++ b/TechReview_Presentation.pptx
@@ -3399,11 +3399,7 @@
             </a:r>
             <a:r>
               <a:rPr lang="en-US" dirty="0"/>
-              <a:t> Chen, </a:t>
-            </a:r>
-            <a:r>
-              <a:rPr lang="en-US"/>
-              <a:t>Rachel Gebhart, Isaac </a:t>
+              <a:t> Chen, Rachel Gebhart, Isaac </a:t>
             </a:r>
             <a:r>
               <a:rPr lang="en-US" dirty="0" err="1"/>
@@ -3638,12 +3634,14 @@
         </p:nvSpPr>
         <p:spPr/>
         <p:txBody>
-          <a:bodyPr/>
+          <a:bodyPr>
+            <a:normAutofit lnSpcReduction="10000"/>
+          </a:bodyPr>
           <a:lstStyle/>
           <a:p>
             <a:r>
               <a:rPr lang="en-US" dirty="0"/>
-              <a:t>Use Edge detection to separate particles</a:t>
+              <a:t>Use Edge detection to separate particles and create binary</a:t>
             </a:r>
           </a:p>
           <a:p>
@@ -3661,6 +3659,13 @@
             </a:r>
           </a:p>
           <a:p>
+            <a:pPr lvl="1"/>
+            <a:r>
+              <a:rPr lang="en-US" dirty="0"/>
+              <a:t>…all of the analysis!</a:t>
+            </a:r>
+          </a:p>
+          <a:p>
             <a:endParaRPr lang="en-US" dirty="0"/>
           </a:p>
           <a:p>
@@ -3700,10 +3705,9 @@
           <a:p>
             <a:pPr lvl="2"/>
             <a:r>
-              <a:rPr lang="en-US"/>
+              <a:rPr lang="en-US" dirty="0"/>
               <a:t>Laplace</a:t>
             </a:r>
-            <a:endParaRPr lang="en-US" dirty="0"/>
           </a:p>
         </p:txBody>
       </p:sp>
@@ -5109,15 +5113,7 @@
             <a:pPr marL="285750" indent="-285750"/>
             <a:r>
               <a:rPr lang="en-IN" sz="2400" dirty="0"/>
-              <a:t>Size of the </a:t>
-            </a:r>
-            <a:r>
-              <a:rPr lang="en-IN" sz="2400" dirty="0" err="1"/>
-              <a:t>Kernal</a:t>
-            </a:r>
-            <a:r>
-              <a:rPr lang="en-IN" sz="2400" dirty="0"/>
-              <a:t> can be changed</a:t>
+              <a:t>Size of the Kernel can be changed</a:t>
             </a:r>
           </a:p>
           <a:p>

--- a/TechReview_Presentation.pptx
+++ b/TechReview_Presentation.pptx
@@ -265,7 +265,7 @@
           <a:p>
             <a:fld id="{0C65C9FF-3F31-0A45-9B98-91187E9A121A}" type="datetimeFigureOut">
               <a:rPr lang="en-US" smtClean="0"/>
-              <a:t>2/20/2019</a:t>
+              <a:t>2/21/2019</a:t>
             </a:fld>
             <a:endParaRPr lang="en-US"/>
           </a:p>
@@ -463,7 +463,7 @@
           <a:p>
             <a:fld id="{0C65C9FF-3F31-0A45-9B98-91187E9A121A}" type="datetimeFigureOut">
               <a:rPr lang="en-US" smtClean="0"/>
-              <a:t>2/20/2019</a:t>
+              <a:t>2/21/2019</a:t>
             </a:fld>
             <a:endParaRPr lang="en-US"/>
           </a:p>
@@ -671,7 +671,7 @@
           <a:p>
             <a:fld id="{0C65C9FF-3F31-0A45-9B98-91187E9A121A}" type="datetimeFigureOut">
               <a:rPr lang="en-US" smtClean="0"/>
-              <a:t>2/20/2019</a:t>
+              <a:t>2/21/2019</a:t>
             </a:fld>
             <a:endParaRPr lang="en-US"/>
           </a:p>
@@ -869,7 +869,7 @@
           <a:p>
             <a:fld id="{0C65C9FF-3F31-0A45-9B98-91187E9A121A}" type="datetimeFigureOut">
               <a:rPr lang="en-US" smtClean="0"/>
-              <a:t>2/20/2019</a:t>
+              <a:t>2/21/2019</a:t>
             </a:fld>
             <a:endParaRPr lang="en-US"/>
           </a:p>
@@ -1144,7 +1144,7 @@
           <a:p>
             <a:fld id="{0C65C9FF-3F31-0A45-9B98-91187E9A121A}" type="datetimeFigureOut">
               <a:rPr lang="en-US" smtClean="0"/>
-              <a:t>2/20/2019</a:t>
+              <a:t>2/21/2019</a:t>
             </a:fld>
             <a:endParaRPr lang="en-US"/>
           </a:p>
@@ -1409,7 +1409,7 @@
           <a:p>
             <a:fld id="{0C65C9FF-3F31-0A45-9B98-91187E9A121A}" type="datetimeFigureOut">
               <a:rPr lang="en-US" smtClean="0"/>
-              <a:t>2/20/2019</a:t>
+              <a:t>2/21/2019</a:t>
             </a:fld>
             <a:endParaRPr lang="en-US"/>
           </a:p>
@@ -1821,7 +1821,7 @@
           <a:p>
             <a:fld id="{0C65C9FF-3F31-0A45-9B98-91187E9A121A}" type="datetimeFigureOut">
               <a:rPr lang="en-US" smtClean="0"/>
-              <a:t>2/20/2019</a:t>
+              <a:t>2/21/2019</a:t>
             </a:fld>
             <a:endParaRPr lang="en-US"/>
           </a:p>
@@ -1962,7 +1962,7 @@
           <a:p>
             <a:fld id="{0C65C9FF-3F31-0A45-9B98-91187E9A121A}" type="datetimeFigureOut">
               <a:rPr lang="en-US" smtClean="0"/>
-              <a:t>2/20/2019</a:t>
+              <a:t>2/21/2019</a:t>
             </a:fld>
             <a:endParaRPr lang="en-US"/>
           </a:p>
@@ -2075,7 +2075,7 @@
           <a:p>
             <a:fld id="{0C65C9FF-3F31-0A45-9B98-91187E9A121A}" type="datetimeFigureOut">
               <a:rPr lang="en-US" smtClean="0"/>
-              <a:t>2/20/2019</a:t>
+              <a:t>2/21/2019</a:t>
             </a:fld>
             <a:endParaRPr lang="en-US"/>
           </a:p>
@@ -2386,7 +2386,7 @@
           <a:p>
             <a:fld id="{0C65C9FF-3F31-0A45-9B98-91187E9A121A}" type="datetimeFigureOut">
               <a:rPr lang="en-US" smtClean="0"/>
-              <a:t>2/20/2019</a:t>
+              <a:t>2/21/2019</a:t>
             </a:fld>
             <a:endParaRPr lang="en-US"/>
           </a:p>
@@ -2674,7 +2674,7 @@
           <a:p>
             <a:fld id="{0C65C9FF-3F31-0A45-9B98-91187E9A121A}" type="datetimeFigureOut">
               <a:rPr lang="en-US" smtClean="0"/>
-              <a:t>2/20/2019</a:t>
+              <a:t>2/21/2019</a:t>
             </a:fld>
             <a:endParaRPr lang="en-US"/>
           </a:p>
@@ -2915,7 +2915,7 @@
           <a:p>
             <a:fld id="{0C65C9FF-3F31-0A45-9B98-91187E9A121A}" type="datetimeFigureOut">
               <a:rPr lang="en-US" smtClean="0"/>
-              <a:t>2/20/2019</a:t>
+              <a:t>2/21/2019</a:t>
             </a:fld>
             <a:endParaRPr lang="en-US"/>
           </a:p>
